--- a/Lecture Notes/Reinforcement.pptx
+++ b/Lecture Notes/Reinforcement.pptx
@@ -265,7 +265,7 @@
   </p:defaultTextStyle>
   <p:extLst>
     <p:ext uri="{EFAFB233-063F-42B5-8137-9DF3F51BA10A}">
-      <p15:sldGuideLst xmlns:ahyp="http://schemas.microsoft.com/office/drawing/2018/hyperlinkcolor" xmlns:p15="http://schemas.microsoft.com/office/powerpoint/2012/main" xmlns:p14="http://schemas.microsoft.com/office/powerpoint/2010/main" xmlns:com="http://schemas.openxmlformats.org/drawingml/2006/compatibility" xmlns:pvml="urn:schemas-microsoft-com:office:powerpoint" xmlns:v="urn:schemas-microsoft-com:vml" xmlns:o="urn:schemas-microsoft-com:office:office" xmlns:dgm="http://schemas.openxmlformats.org/drawingml/2006/diagram" xmlns:c="http://schemas.openxmlformats.org/drawingml/2006/chart" xmlns:mv="urn:schemas-microsoft-com:mac:vml" xmlns:mc="http://schemas.openxmlformats.org/markup-compatibility/2006" xmlns="">
+      <p15:sldGuideLst xmlns:p15="http://schemas.microsoft.com/office/powerpoint/2012/main">
         <p15:guide id="1" orient="horz" pos="2160">
           <p15:clr>
             <a:srgbClr val="000000"/>
@@ -14033,19 +14033,10 @@
                 <a:cs typeface="Times New Roman"/>
                 <a:sym typeface="Times New Roman"/>
               </a:rPr>
-              <a:t>V</a:t>
-            </a:r>
-            <a:r>
-              <a:rPr lang="en-US" sz="2000" i="1" dirty="0" smtClean="0">
-                <a:latin typeface="Times New Roman"/>
-                <a:ea typeface="Times New Roman"/>
-                <a:cs typeface="Times New Roman"/>
-                <a:sym typeface="Times New Roman"/>
-              </a:rPr>
-              <a:t>*</a:t>
-            </a:r>
-            <a:r>
-              <a:rPr lang="en-US" sz="2000" dirty="0" smtClean="0">
+              <a:t>V*</a:t>
+            </a:r>
+            <a:r>
+              <a:rPr lang="en-US" sz="2000" dirty="0">
                 <a:latin typeface="Times New Roman"/>
                 <a:ea typeface="Times New Roman"/>
                 <a:cs typeface="Times New Roman"/>
@@ -14054,7 +14045,7 @@
               <a:t>(</a:t>
             </a:r>
             <a:r>
-              <a:rPr lang="en-US" sz="2000" i="1" dirty="0" err="1" smtClean="0">
+              <a:rPr lang="en-US" sz="2000" i="1" dirty="0" err="1">
                 <a:latin typeface="Times New Roman"/>
                 <a:ea typeface="Times New Roman"/>
                 <a:cs typeface="Times New Roman"/>
@@ -14063,7 +14054,7 @@
               <a:t>s</a:t>
             </a:r>
             <a:r>
-              <a:rPr lang="en-US" sz="2000" i="1" baseline="-25000" dirty="0" err="1" smtClean="0">
+              <a:rPr lang="en-US" sz="2000" i="1" baseline="-25000" dirty="0" err="1">
                 <a:latin typeface="Times New Roman"/>
                 <a:ea typeface="Times New Roman"/>
                 <a:cs typeface="Times New Roman"/>
@@ -14090,7 +14081,7 @@
               <a:t> is the optimal value function where </a:t>
             </a:r>
             <a:r>
-              <a:rPr lang="en-US" sz="2000" i="1" dirty="0" err="1" smtClean="0">
+              <a:rPr lang="en-US" sz="2000" i="1" dirty="0" err="1">
                 <a:latin typeface="Times New Roman"/>
                 <a:ea typeface="Times New Roman"/>
                 <a:cs typeface="Times New Roman"/>
@@ -14099,7 +14090,7 @@
               <a:t>s</a:t>
             </a:r>
             <a:r>
-              <a:rPr lang="en-US" sz="2000" i="1" baseline="-25000" dirty="0" err="1" smtClean="0">
+              <a:rPr lang="en-US" sz="2000" i="1" baseline="-25000" dirty="0" err="1">
                 <a:latin typeface="Times New Roman"/>
                 <a:ea typeface="Times New Roman"/>
                 <a:cs typeface="Times New Roman"/>
@@ -14108,7 +14099,7 @@
               <a:t>t</a:t>
             </a:r>
             <a:r>
-              <a:rPr lang="en-US" sz="2000" i="1" baseline="-25000" dirty="0" smtClean="0">
+              <a:rPr lang="en-US" sz="2000" i="1" baseline="-25000" dirty="0">
                 <a:latin typeface="Times New Roman"/>
                 <a:ea typeface="Times New Roman"/>
                 <a:cs typeface="Times New Roman"/>
@@ -14123,19 +14114,10 @@
                 <a:cs typeface="Times New Roman"/>
                 <a:sym typeface="Times New Roman"/>
               </a:rPr>
-              <a:t>is the state vector; </a:t>
-            </a:r>
-            <a:r>
-              <a:rPr lang="en-US" sz="2000" i="1" dirty="0" smtClean="0">
-                <a:latin typeface="Times New Roman"/>
-                <a:ea typeface="Times New Roman"/>
-                <a:cs typeface="Times New Roman"/>
-                <a:sym typeface="Times New Roman"/>
-              </a:rPr>
-              <a:t>V</a:t>
-            </a:r>
-            <a:r>
-              <a:rPr lang="en-US" sz="2000" dirty="0" smtClean="0">
+              <a:t>is the state vector; V</a:t>
+            </a:r>
+            <a:r>
+              <a:rPr lang="en-US" sz="2000" dirty="0">
                 <a:latin typeface="Times New Roman"/>
                 <a:ea typeface="Times New Roman"/>
                 <a:cs typeface="Times New Roman"/>
@@ -14144,7 +14126,7 @@
               <a:t>(</a:t>
             </a:r>
             <a:r>
-              <a:rPr lang="en-US" sz="2000" i="1" dirty="0" err="1" smtClean="0">
+              <a:rPr lang="en-US" sz="2000" i="1" dirty="0" err="1">
                 <a:latin typeface="Times New Roman"/>
                 <a:ea typeface="Times New Roman"/>
                 <a:cs typeface="Times New Roman"/>
@@ -14153,7 +14135,7 @@
               <a:t>s</a:t>
             </a:r>
             <a:r>
-              <a:rPr lang="en-US" sz="2000" i="1" baseline="-25000" dirty="0" err="1" smtClean="0">
+              <a:rPr lang="en-US" sz="2000" i="1" baseline="-25000" dirty="0" err="1">
                 <a:latin typeface="Times New Roman"/>
                 <a:ea typeface="Times New Roman"/>
                 <a:cs typeface="Times New Roman"/>
@@ -14226,7 +14208,7 @@
               <a:buChar char="•"/>
             </a:pPr>
             <a:r>
-              <a:rPr lang="en-US" sz="2000" i="1" dirty="0" smtClean="0">
+              <a:rPr lang="en-US" sz="2000" i="1" dirty="0">
                 <a:latin typeface="Times New Roman"/>
                 <a:ea typeface="Times New Roman"/>
                 <a:cs typeface="Times New Roman"/>
@@ -14235,7 +14217,7 @@
               <a:t>V</a:t>
             </a:r>
             <a:r>
-              <a:rPr lang="en-US" sz="2000" dirty="0" smtClean="0">
+              <a:rPr lang="en-US" sz="2000" dirty="0">
                 <a:latin typeface="Times New Roman"/>
                 <a:ea typeface="Times New Roman"/>
                 <a:cs typeface="Times New Roman"/>
@@ -14244,7 +14226,7 @@
               <a:t>(</a:t>
             </a:r>
             <a:r>
-              <a:rPr lang="en-US" sz="2000" i="1" dirty="0" err="1" smtClean="0">
+              <a:rPr lang="en-US" sz="2000" i="1" dirty="0" err="1">
                 <a:latin typeface="Times New Roman"/>
                 <a:ea typeface="Times New Roman"/>
                 <a:cs typeface="Times New Roman"/>
@@ -14253,7 +14235,7 @@
               <a:t>s</a:t>
             </a:r>
             <a:r>
-              <a:rPr lang="en-US" sz="2000" i="1" baseline="-25000" dirty="0" err="1" smtClean="0">
+              <a:rPr lang="en-US" sz="2000" i="1" baseline="-25000" dirty="0" err="1">
                 <a:latin typeface="Times New Roman"/>
                 <a:ea typeface="Times New Roman"/>
                 <a:cs typeface="Times New Roman"/>
@@ -14299,19 +14281,10 @@
                 <a:cs typeface="Times New Roman"/>
                 <a:sym typeface="Times New Roman"/>
               </a:rPr>
-              <a:t>V</a:t>
-            </a:r>
-            <a:r>
-              <a:rPr lang="en-US" sz="2000" i="1" dirty="0" smtClean="0">
-                <a:latin typeface="Times New Roman"/>
-                <a:ea typeface="Times New Roman"/>
-                <a:cs typeface="Times New Roman"/>
-                <a:sym typeface="Times New Roman"/>
-              </a:rPr>
-              <a:t>*</a:t>
-            </a:r>
-            <a:r>
-              <a:rPr lang="en-US" sz="2000" dirty="0" smtClean="0">
+              <a:t>V*</a:t>
+            </a:r>
+            <a:r>
+              <a:rPr lang="en-US" sz="2000" dirty="0">
                 <a:latin typeface="Times New Roman"/>
                 <a:ea typeface="Times New Roman"/>
                 <a:cs typeface="Times New Roman"/>
@@ -14320,7 +14293,7 @@
               <a:t>(</a:t>
             </a:r>
             <a:r>
-              <a:rPr lang="en-US" sz="2000" i="1" dirty="0" err="1" smtClean="0">
+              <a:rPr lang="en-US" sz="2000" i="1" dirty="0" err="1">
                 <a:latin typeface="Times New Roman"/>
                 <a:ea typeface="Times New Roman"/>
                 <a:cs typeface="Times New Roman"/>
@@ -14329,7 +14302,7 @@
               <a:t>s</a:t>
             </a:r>
             <a:r>
-              <a:rPr lang="en-US" sz="2000" i="1" baseline="-25000" dirty="0" err="1" smtClean="0">
+              <a:rPr lang="en-US" sz="2000" i="1" baseline="-25000" dirty="0" err="1">
                 <a:latin typeface="Times New Roman"/>
                 <a:ea typeface="Times New Roman"/>
                 <a:cs typeface="Times New Roman"/>
@@ -14408,19 +14381,10 @@
                 <a:cs typeface="Times New Roman"/>
                 <a:sym typeface="Times New Roman"/>
               </a:rPr>
-              <a:t>V</a:t>
-            </a:r>
-            <a:r>
-              <a:rPr lang="en-US" sz="2000" i="1" dirty="0" smtClean="0">
-                <a:latin typeface="Times New Roman"/>
-                <a:ea typeface="Times New Roman"/>
-                <a:cs typeface="Times New Roman"/>
-                <a:sym typeface="Times New Roman"/>
-              </a:rPr>
-              <a:t>*</a:t>
-            </a:r>
-            <a:r>
-              <a:rPr lang="en-US" sz="2000" dirty="0" smtClean="0">
+              <a:t>V*</a:t>
+            </a:r>
+            <a:r>
+              <a:rPr lang="en-US" sz="2000" dirty="0">
                 <a:latin typeface="Times New Roman"/>
                 <a:ea typeface="Times New Roman"/>
                 <a:cs typeface="Times New Roman"/>
@@ -14429,7 +14393,7 @@
               <a:t>(</a:t>
             </a:r>
             <a:r>
-              <a:rPr lang="en-US" sz="2000" i="1" dirty="0" err="1" smtClean="0">
+              <a:rPr lang="en-US" sz="2000" i="1" dirty="0" err="1">
                 <a:latin typeface="Times New Roman"/>
                 <a:ea typeface="Times New Roman"/>
                 <a:cs typeface="Times New Roman"/>
@@ -14438,7 +14402,7 @@
               <a:t>s</a:t>
             </a:r>
             <a:r>
-              <a:rPr lang="en-US" sz="2000" i="1" baseline="-25000" dirty="0" err="1" smtClean="0">
+              <a:rPr lang="en-US" sz="2000" i="1" baseline="-25000" dirty="0" err="1">
                 <a:latin typeface="Times New Roman"/>
                 <a:ea typeface="Times New Roman"/>
                 <a:cs typeface="Times New Roman"/>
@@ -14462,16 +14426,7 @@
                 <a:cs typeface="Times New Roman"/>
                 <a:sym typeface="Times New Roman"/>
               </a:rPr>
-              <a:t>plus some error in the approximation, as </a:t>
-            </a:r>
-            <a:r>
-              <a:rPr lang="en-US" sz="2000" i="1" dirty="0" smtClean="0">
-                <a:latin typeface="Times New Roman"/>
-                <a:ea typeface="Times New Roman"/>
-                <a:cs typeface="Times New Roman"/>
-                <a:sym typeface="Times New Roman"/>
-              </a:rPr>
-              <a:t>expressed</a:t>
+              <a:t>plus some error in the approximation, as expressed</a:t>
             </a:r>
           </a:p>
           <a:p>
@@ -14483,7 +14438,7 @@
               <a:buNone/>
             </a:pPr>
             <a:r>
-              <a:rPr lang="en-US" sz="2000" i="1" dirty="0" smtClean="0">
+              <a:rPr lang="en-US" sz="2000" i="1" dirty="0">
                 <a:latin typeface="Times New Roman"/>
                 <a:ea typeface="Times New Roman"/>
                 <a:cs typeface="Times New Roman"/>
@@ -14492,7 +14447,7 @@
               <a:t>V</a:t>
             </a:r>
             <a:r>
-              <a:rPr lang="en-US" sz="2000" dirty="0" smtClean="0">
+              <a:rPr lang="en-US" sz="2000" dirty="0">
                 <a:latin typeface="Times New Roman"/>
                 <a:ea typeface="Times New Roman"/>
                 <a:cs typeface="Times New Roman"/>
@@ -14501,7 +14456,7 @@
               <a:t>(</a:t>
             </a:r>
             <a:r>
-              <a:rPr lang="en-US" sz="2000" i="1" dirty="0" err="1" smtClean="0">
+              <a:rPr lang="en-US" sz="2000" i="1" dirty="0" err="1">
                 <a:latin typeface="Times New Roman"/>
                 <a:ea typeface="Times New Roman"/>
                 <a:cs typeface="Times New Roman"/>
@@ -14510,7 +14465,7 @@
               <a:t>s</a:t>
             </a:r>
             <a:r>
-              <a:rPr lang="en-US" sz="2000" i="1" baseline="-25000" dirty="0" err="1" smtClean="0">
+              <a:rPr lang="en-US" sz="2000" i="1" baseline="-25000" dirty="0" err="1">
                 <a:latin typeface="Times New Roman"/>
                 <a:ea typeface="Times New Roman"/>
                 <a:cs typeface="Times New Roman"/>
@@ -14519,7 +14474,7 @@
               <a:t>t</a:t>
             </a:r>
             <a:r>
-              <a:rPr lang="en-US" sz="2000" dirty="0" smtClean="0">
+              <a:rPr lang="en-US" sz="2000" dirty="0">
                 <a:latin typeface="Times New Roman"/>
                 <a:ea typeface="Times New Roman"/>
                 <a:cs typeface="Times New Roman"/>
@@ -14528,7 +14483,7 @@
               <a:t>)</a:t>
             </a:r>
             <a:r>
-              <a:rPr lang="en-US" sz="2000" i="1" dirty="0" smtClean="0">
+              <a:rPr lang="en-US" sz="2000" i="1" dirty="0">
                 <a:latin typeface="Times New Roman"/>
                 <a:ea typeface="Times New Roman"/>
                 <a:cs typeface="Times New Roman"/>
@@ -14537,7 +14492,7 @@
               <a:t> = e</a:t>
             </a:r>
             <a:r>
-              <a:rPr lang="en-US" sz="2000" dirty="0" smtClean="0">
+              <a:rPr lang="en-US" sz="2000" dirty="0">
                 <a:latin typeface="Times New Roman"/>
                 <a:ea typeface="Times New Roman"/>
                 <a:cs typeface="Times New Roman"/>
@@ -14546,7 +14501,7 @@
               <a:t>(</a:t>
             </a:r>
             <a:r>
-              <a:rPr lang="en-US" sz="2000" i="1" dirty="0" err="1" smtClean="0">
+              <a:rPr lang="en-US" sz="2000" i="1" dirty="0" err="1">
                 <a:latin typeface="Times New Roman"/>
                 <a:ea typeface="Times New Roman"/>
                 <a:cs typeface="Times New Roman"/>
@@ -14555,7 +14510,7 @@
               <a:t>s</a:t>
             </a:r>
             <a:r>
-              <a:rPr lang="en-US" sz="2000" i="1" baseline="-25000" dirty="0" err="1" smtClean="0">
+              <a:rPr lang="en-US" sz="2000" i="1" baseline="-25000" dirty="0" err="1">
                 <a:latin typeface="Times New Roman"/>
                 <a:ea typeface="Times New Roman"/>
                 <a:cs typeface="Times New Roman"/>
@@ -14564,7 +14519,7 @@
               <a:t>t</a:t>
             </a:r>
             <a:r>
-              <a:rPr lang="en-US" sz="2000" dirty="0" smtClean="0">
+              <a:rPr lang="en-US" sz="2000" dirty="0">
                 <a:latin typeface="Times New Roman"/>
                 <a:ea typeface="Times New Roman"/>
                 <a:cs typeface="Times New Roman"/>
@@ -14573,7 +14528,7 @@
               <a:t>) </a:t>
             </a:r>
             <a:r>
-              <a:rPr lang="en-US" sz="2000" i="1" dirty="0" smtClean="0">
+              <a:rPr lang="en-US" sz="2000" i="1" dirty="0">
                 <a:latin typeface="Times New Roman"/>
                 <a:ea typeface="Times New Roman"/>
                 <a:cs typeface="Times New Roman"/>
@@ -14582,7 +14537,7 @@
               <a:t>+V*</a:t>
             </a:r>
             <a:r>
-              <a:rPr lang="en-US" sz="2000" dirty="0" smtClean="0">
+              <a:rPr lang="en-US" sz="2000" dirty="0">
                 <a:latin typeface="Times New Roman"/>
                 <a:ea typeface="Times New Roman"/>
                 <a:cs typeface="Times New Roman"/>
@@ -14591,7 +14546,7 @@
               <a:t>(</a:t>
             </a:r>
             <a:r>
-              <a:rPr lang="en-US" sz="2000" i="1" dirty="0" err="1" smtClean="0">
+              <a:rPr lang="en-US" sz="2000" i="1" dirty="0" err="1">
                 <a:latin typeface="Times New Roman"/>
                 <a:ea typeface="Times New Roman"/>
                 <a:cs typeface="Times New Roman"/>
@@ -14600,7 +14555,7 @@
               <a:t>s</a:t>
             </a:r>
             <a:r>
-              <a:rPr lang="en-US" sz="2000" i="1" baseline="-25000" dirty="0" err="1" smtClean="0">
+              <a:rPr lang="en-US" sz="2000" i="1" baseline="-25000" dirty="0" err="1">
                 <a:latin typeface="Times New Roman"/>
                 <a:ea typeface="Times New Roman"/>
                 <a:cs typeface="Times New Roman"/>
@@ -14609,7 +14564,7 @@
               <a:t>t</a:t>
             </a:r>
             <a:r>
-              <a:rPr lang="en-US" sz="2000" dirty="0" smtClean="0">
+              <a:rPr lang="en-US" sz="2000" dirty="0">
                 <a:latin typeface="Times New Roman"/>
                 <a:ea typeface="Times New Roman"/>
                 <a:cs typeface="Times New Roman"/>
@@ -14653,7 +14608,7 @@
           <a:p>
             <a:pPr lvl="0"/>
             <a:r>
-              <a:rPr lang="en-US" sz="1800" b="0" i="0" u="none" strike="noStrike" cap="none" smtClean="0">
+              <a:rPr lang="en-US" sz="1800" b="0" i="0" u="none" strike="noStrike" cap="none">
                 <a:solidFill>
                   <a:schemeClr val="dk1"/>
                 </a:solidFill>
@@ -14665,7 +14620,7 @@
               <a:t>where </a:t>
             </a:r>
             <a:r>
-              <a:rPr lang="en-US" sz="1800" b="0" i="1" u="none" strike="noStrike" cap="none" smtClean="0">
+              <a:rPr lang="en-US" sz="1800" b="0" i="1" u="none" strike="noStrike" cap="none">
                 <a:solidFill>
                   <a:schemeClr val="dk1"/>
                 </a:solidFill>
@@ -14677,7 +14632,7 @@
               <a:t>e</a:t>
             </a:r>
             <a:r>
-              <a:rPr lang="en-US" sz="1800" b="0" u="none" strike="noStrike" cap="none" smtClean="0">
+              <a:rPr lang="en-US" sz="1800" b="0" u="none" strike="noStrike" cap="none">
                 <a:solidFill>
                   <a:schemeClr val="dk1"/>
                 </a:solidFill>
@@ -14689,7 +14644,7 @@
               <a:t>(</a:t>
             </a:r>
             <a:r>
-              <a:rPr lang="en-US" sz="1800" i="1" smtClean="0">
+              <a:rPr lang="en-US" sz="1800" i="1">
                 <a:latin typeface="Times New Roman"/>
                 <a:ea typeface="Times New Roman"/>
                 <a:cs typeface="Times New Roman"/>
@@ -14698,7 +14653,7 @@
               <a:t>s</a:t>
             </a:r>
             <a:r>
-              <a:rPr lang="en-US" sz="1800" i="1" baseline="-25000" smtClean="0">
+              <a:rPr lang="en-US" sz="1800" i="1" baseline="-25000">
                 <a:latin typeface="Times New Roman"/>
                 <a:ea typeface="Times New Roman"/>
                 <a:cs typeface="Times New Roman"/>
@@ -14707,7 +14662,7 @@
               <a:t>t</a:t>
             </a:r>
             <a:r>
-              <a:rPr lang="en-US" sz="1800" b="0" u="none" strike="noStrike" cap="none" smtClean="0">
+              <a:rPr lang="en-US" sz="1800" b="0" u="none" strike="noStrike" cap="none">
                 <a:solidFill>
                   <a:schemeClr val="dk1"/>
                 </a:solidFill>
@@ -14719,7 +14674,7 @@
               <a:t>) </a:t>
             </a:r>
             <a:r>
-              <a:rPr lang="en-US" sz="1800" b="0" i="1" u="none" strike="noStrike" cap="none" smtClean="0">
+              <a:rPr lang="en-US" sz="1800" b="0" i="1" u="none" strike="noStrike" cap="none">
                 <a:solidFill>
                   <a:schemeClr val="dk1"/>
                 </a:solidFill>
@@ -14730,7 +14685,7 @@
               </a:rPr>
               <a:t>is the error in the approximation of the value of the state occupied at time t.</a:t>
             </a:r>
-            <a:endParaRPr smtClean="0"/>
+            <a:endParaRPr/>
           </a:p>
           <a:p>
             <a:pPr marL="0" marR="0" lvl="0" indent="0" algn="l" rtl="0">
@@ -14743,7 +14698,7 @@
               <a:buNone/>
             </a:pPr>
             <a:r>
-              <a:rPr lang="en-US" sz="1800" i="1" smtClean="0">
+              <a:rPr lang="en-US" sz="1800" i="1">
                 <a:solidFill>
                   <a:schemeClr val="dk1"/>
                 </a:solidFill>
@@ -14795,7 +14750,7 @@
               <a:buNone/>
             </a:pPr>
             <a:r>
-              <a:rPr lang="en-US" i="1" dirty="0" smtClean="0">
+              <a:rPr lang="en-US" i="1" dirty="0">
                 <a:latin typeface="Times New Roman"/>
                 <a:ea typeface="Times New Roman"/>
                 <a:cs typeface="Times New Roman"/>
@@ -14804,7 +14759,7 @@
               <a:t>V</a:t>
             </a:r>
             <a:r>
-              <a:rPr lang="en-US" dirty="0" smtClean="0">
+              <a:rPr lang="en-US" dirty="0">
                 <a:latin typeface="Times New Roman"/>
                 <a:ea typeface="Times New Roman"/>
                 <a:cs typeface="Times New Roman"/>
@@ -14813,7 +14768,7 @@
               <a:t>(</a:t>
             </a:r>
             <a:r>
-              <a:rPr lang="en-US" i="1" dirty="0" smtClean="0">
+              <a:rPr lang="en-US" i="1" dirty="0">
                 <a:latin typeface="Times New Roman"/>
                 <a:ea typeface="Times New Roman"/>
                 <a:cs typeface="Times New Roman"/>
@@ -14822,7 +14777,7 @@
               <a:t>s</a:t>
             </a:r>
             <a:r>
-              <a:rPr lang="en-US" i="1" baseline="-25000" dirty="0" smtClean="0">
+              <a:rPr lang="en-US" i="1" baseline="-25000" dirty="0">
                 <a:latin typeface="Times New Roman"/>
                 <a:ea typeface="Times New Roman"/>
                 <a:cs typeface="Times New Roman"/>
@@ -14831,7 +14786,7 @@
               <a:t>t</a:t>
             </a:r>
             <a:r>
-              <a:rPr lang="en-US" baseline="-25000" dirty="0" smtClean="0">
+              <a:rPr lang="en-US" baseline="-25000" dirty="0">
                 <a:latin typeface="Times New Roman"/>
                 <a:ea typeface="Times New Roman"/>
                 <a:cs typeface="Times New Roman"/>
@@ -14840,7 +14795,7 @@
               <a:t>+1</a:t>
             </a:r>
             <a:r>
-              <a:rPr lang="en-US" dirty="0" smtClean="0">
+              <a:rPr lang="en-US" dirty="0">
                 <a:latin typeface="Times New Roman"/>
                 <a:ea typeface="Times New Roman"/>
                 <a:cs typeface="Times New Roman"/>
@@ -14849,7 +14804,7 @@
               <a:t>)</a:t>
             </a:r>
             <a:r>
-              <a:rPr lang="en-US" i="1" dirty="0" smtClean="0">
+              <a:rPr lang="en-US" i="1" dirty="0">
                 <a:latin typeface="Times New Roman"/>
                 <a:ea typeface="Times New Roman"/>
                 <a:cs typeface="Times New Roman"/>
@@ -14858,7 +14813,7 @@
               <a:t> = e</a:t>
             </a:r>
             <a:r>
-              <a:rPr lang="en-US" dirty="0" smtClean="0">
+              <a:rPr lang="en-US" dirty="0">
                 <a:latin typeface="Times New Roman"/>
                 <a:ea typeface="Times New Roman"/>
                 <a:cs typeface="Times New Roman"/>
@@ -14867,7 +14822,7 @@
               <a:t>(</a:t>
             </a:r>
             <a:r>
-              <a:rPr lang="en-US" i="1" dirty="0" smtClean="0">
+              <a:rPr lang="en-US" i="1" dirty="0">
                 <a:latin typeface="Times New Roman"/>
                 <a:ea typeface="Times New Roman"/>
                 <a:cs typeface="Times New Roman"/>
@@ -14876,7 +14831,7 @@
               <a:t>s</a:t>
             </a:r>
             <a:r>
-              <a:rPr lang="en-US" i="1" baseline="-25000" dirty="0" smtClean="0">
+              <a:rPr lang="en-US" i="1" baseline="-25000" dirty="0">
                 <a:latin typeface="Times New Roman"/>
                 <a:ea typeface="Times New Roman"/>
                 <a:cs typeface="Times New Roman"/>
@@ -14885,7 +14840,7 @@
               <a:t>t</a:t>
             </a:r>
             <a:r>
-              <a:rPr lang="en-US" baseline="-25000" dirty="0" smtClean="0">
+              <a:rPr lang="en-US" baseline="-25000" dirty="0">
                 <a:latin typeface="Times New Roman"/>
                 <a:ea typeface="Times New Roman"/>
                 <a:cs typeface="Times New Roman"/>
@@ -14894,7 +14849,7 @@
               <a:t>+1</a:t>
             </a:r>
             <a:r>
-              <a:rPr lang="en-US" dirty="0" smtClean="0">
+              <a:rPr lang="en-US" dirty="0">
                 <a:latin typeface="Times New Roman"/>
                 <a:ea typeface="Times New Roman"/>
                 <a:cs typeface="Times New Roman"/>
@@ -14903,7 +14858,7 @@
               <a:t>) </a:t>
             </a:r>
             <a:r>
-              <a:rPr lang="en-US" i="1" dirty="0" smtClean="0">
+              <a:rPr lang="en-US" i="1" dirty="0">
                 <a:latin typeface="Times New Roman"/>
                 <a:ea typeface="Times New Roman"/>
                 <a:cs typeface="Times New Roman"/>
@@ -14912,7 +14867,7 @@
               <a:t>+V*</a:t>
             </a:r>
             <a:r>
-              <a:rPr lang="en-US" dirty="0" smtClean="0">
+              <a:rPr lang="en-US" dirty="0">
                 <a:latin typeface="Times New Roman"/>
                 <a:ea typeface="Times New Roman"/>
                 <a:cs typeface="Times New Roman"/>
@@ -14921,7 +14876,7 @@
               <a:t>(</a:t>
             </a:r>
             <a:r>
-              <a:rPr lang="en-US" i="1" dirty="0" smtClean="0">
+              <a:rPr lang="en-US" i="1" dirty="0">
                 <a:latin typeface="Times New Roman"/>
                 <a:ea typeface="Times New Roman"/>
                 <a:cs typeface="Times New Roman"/>
@@ -14930,7 +14885,7 @@
               <a:t>s</a:t>
             </a:r>
             <a:r>
-              <a:rPr lang="en-US" i="1" baseline="-25000" dirty="0" smtClean="0">
+              <a:rPr lang="en-US" i="1" baseline="-25000" dirty="0">
                 <a:latin typeface="Times New Roman"/>
                 <a:ea typeface="Times New Roman"/>
                 <a:cs typeface="Times New Roman"/>
@@ -14939,7 +14894,7 @@
               <a:t>t</a:t>
             </a:r>
             <a:r>
-              <a:rPr lang="en-US" baseline="-25000" dirty="0" smtClean="0">
+              <a:rPr lang="en-US" baseline="-25000" dirty="0">
                 <a:latin typeface="Times New Roman"/>
                 <a:ea typeface="Times New Roman"/>
                 <a:cs typeface="Times New Roman"/>
@@ -14948,7 +14903,7 @@
               <a:t>+1</a:t>
             </a:r>
             <a:r>
-              <a:rPr lang="en-US" dirty="0" smtClean="0">
+              <a:rPr lang="en-US" dirty="0">
                 <a:latin typeface="Times New Roman"/>
                 <a:ea typeface="Times New Roman"/>
                 <a:cs typeface="Times New Roman"/>
@@ -14956,12 +14911,6 @@
               </a:rPr>
               <a:t>)</a:t>
             </a:r>
-            <a:endParaRPr lang="en-US" dirty="0">
-              <a:latin typeface="Times New Roman"/>
-              <a:ea typeface="Times New Roman"/>
-              <a:cs typeface="Times New Roman"/>
-              <a:sym typeface="Times New Roman"/>
-            </a:endParaRPr>
           </a:p>
         </p:txBody>
       </p:sp>
@@ -14989,16 +14938,12 @@
           <a:p>
             <a:pPr algn="ctr"/>
             <a:r>
-              <a:rPr lang="en-US" sz="3200" dirty="0" smtClean="0">
+              <a:rPr lang="en-US" sz="3200" dirty="0">
                 <a:latin typeface="Times New Roman" pitchFamily="18" charset="0"/>
                 <a:cs typeface="Times New Roman" pitchFamily="18" charset="0"/>
               </a:rPr>
               <a:t>Optimal Value Function</a:t>
             </a:r>
-            <a:endParaRPr lang="en-US" sz="3200" dirty="0">
-              <a:latin typeface="Times New Roman" pitchFamily="18" charset="0"/>
-              <a:cs typeface="Times New Roman" pitchFamily="18" charset="0"/>
-            </a:endParaRPr>
           </a:p>
         </p:txBody>
       </p:sp>
@@ -15088,7 +15033,7 @@
               <a:t>s</a:t>
             </a:r>
             <a:r>
-              <a:rPr lang="en-US" sz="2000" baseline="-25000" dirty="0" err="1" smtClean="0">
+              <a:rPr lang="en-US" sz="2000" baseline="-25000" dirty="0" err="1">
                 <a:latin typeface="Times New Roman"/>
                 <a:ea typeface="Times New Roman"/>
                 <a:cs typeface="Times New Roman"/>
@@ -15097,31 +15042,31 @@
               <a:t>t</a:t>
             </a:r>
             <a:r>
-              <a:rPr lang="en-US" sz="2000" dirty="0" smtClean="0">
-                <a:latin typeface="Times New Roman"/>
-                <a:ea typeface="Times New Roman"/>
-                <a:cs typeface="Times New Roman"/>
-                <a:sym typeface="Times New Roman"/>
-              </a:rPr>
-              <a:t> </a:t>
-            </a:r>
-            <a:r>
               <a:rPr lang="en-US" sz="2000" dirty="0">
                 <a:latin typeface="Times New Roman"/>
                 <a:ea typeface="Times New Roman"/>
                 <a:cs typeface="Times New Roman"/>
                 <a:sym typeface="Times New Roman"/>
               </a:rPr>
-              <a:t>for the optimal policy is the sum of the </a:t>
-            </a:r>
-            <a:r>
-              <a:rPr lang="en-US" sz="2000" dirty="0" smtClean="0">
-                <a:latin typeface="Times New Roman"/>
-                <a:ea typeface="Times New Roman"/>
-                <a:cs typeface="Times New Roman"/>
-                <a:sym typeface="Times New Roman"/>
-              </a:rPr>
-              <a:t>reinforcement signal </a:t>
+              <a:t> for the optimal policy is the sum of the reinforcement signal when starting from state </a:t>
+            </a:r>
+            <a:r>
+              <a:rPr lang="en-US" sz="2000" i="1" dirty="0" err="1">
+                <a:latin typeface="Times New Roman"/>
+                <a:ea typeface="Times New Roman"/>
+                <a:cs typeface="Times New Roman"/>
+                <a:sym typeface="Times New Roman"/>
+              </a:rPr>
+              <a:t>s</a:t>
+            </a:r>
+            <a:r>
+              <a:rPr lang="en-US" sz="2000" baseline="-25000" dirty="0" err="1">
+                <a:latin typeface="Times New Roman"/>
+                <a:ea typeface="Times New Roman"/>
+                <a:cs typeface="Times New Roman"/>
+                <a:sym typeface="Times New Roman"/>
+              </a:rPr>
+              <a:t>t</a:t>
             </a:r>
             <a:r>
               <a:rPr lang="en-US" sz="2000" dirty="0">
@@ -15130,43 +15075,7 @@
                 <a:cs typeface="Times New Roman"/>
                 <a:sym typeface="Times New Roman"/>
               </a:rPr>
-              <a:t>when starting from state </a:t>
-            </a:r>
-            <a:r>
-              <a:rPr lang="en-US" sz="2000" i="1" dirty="0" err="1" smtClean="0">
-                <a:latin typeface="Times New Roman"/>
-                <a:ea typeface="Times New Roman"/>
-                <a:cs typeface="Times New Roman"/>
-                <a:sym typeface="Times New Roman"/>
-              </a:rPr>
-              <a:t>s</a:t>
-            </a:r>
-            <a:r>
-              <a:rPr lang="en-US" sz="2000" baseline="-25000" dirty="0" err="1" smtClean="0">
-                <a:latin typeface="Times New Roman"/>
-                <a:ea typeface="Times New Roman"/>
-                <a:cs typeface="Times New Roman"/>
-                <a:sym typeface="Times New Roman"/>
-              </a:rPr>
-              <a:t>t</a:t>
-            </a:r>
-            <a:r>
-              <a:rPr lang="en-US" sz="2000" dirty="0" smtClean="0">
-                <a:latin typeface="Times New Roman"/>
-                <a:ea typeface="Times New Roman"/>
-                <a:cs typeface="Times New Roman"/>
-                <a:sym typeface="Times New Roman"/>
-              </a:rPr>
-              <a:t> </a:t>
-            </a:r>
-            <a:r>
-              <a:rPr lang="en-US" sz="2000" dirty="0">
-                <a:latin typeface="Times New Roman"/>
-                <a:ea typeface="Times New Roman"/>
-                <a:cs typeface="Times New Roman"/>
-                <a:sym typeface="Times New Roman"/>
-              </a:rPr>
-              <a:t>and performing optimal actions until a terminal state is reached. </a:t>
+              <a:t> and performing optimal actions until a terminal state is reached. </a:t>
             </a:r>
             <a:endParaRPr/>
           </a:p>
@@ -15215,7 +15124,7 @@
               <a:t>By this definition, a simple relationship exists between the values of successive states, </a:t>
             </a:r>
             <a:r>
-              <a:rPr lang="en-US" sz="2000" i="1" dirty="0" err="1" smtClean="0">
+              <a:rPr lang="en-US" sz="2000" i="1" dirty="0" err="1">
                 <a:latin typeface="Times New Roman"/>
                 <a:ea typeface="Times New Roman"/>
                 <a:cs typeface="Times New Roman"/>
@@ -15224,7 +15133,7 @@
               <a:t>s</a:t>
             </a:r>
             <a:r>
-              <a:rPr lang="en-US" sz="2000" baseline="-25000" dirty="0" err="1" smtClean="0">
+              <a:rPr lang="en-US" sz="2000" baseline="-25000" dirty="0" err="1">
                 <a:latin typeface="Times New Roman"/>
                 <a:ea typeface="Times New Roman"/>
                 <a:cs typeface="Times New Roman"/>
@@ -15233,25 +15142,16 @@
               <a:t>t</a:t>
             </a:r>
             <a:r>
-              <a:rPr lang="en-US" sz="2000" dirty="0" smtClean="0">
-                <a:latin typeface="Times New Roman"/>
-                <a:ea typeface="Times New Roman"/>
-                <a:cs typeface="Times New Roman"/>
-                <a:sym typeface="Times New Roman"/>
-              </a:rPr>
-              <a:t> </a:t>
-            </a:r>
-            <a:r>
               <a:rPr lang="en-US" sz="2000" dirty="0">
                 <a:latin typeface="Times New Roman"/>
                 <a:ea typeface="Times New Roman"/>
                 <a:cs typeface="Times New Roman"/>
                 <a:sym typeface="Times New Roman"/>
               </a:rPr>
-              <a:t>and </a:t>
-            </a:r>
-            <a:r>
-              <a:rPr lang="en-US" sz="2000" i="1" dirty="0" err="1" smtClean="0">
+              <a:t> and </a:t>
+            </a:r>
+            <a:r>
+              <a:rPr lang="en-US" sz="2000" i="1" dirty="0" err="1">
                 <a:latin typeface="Times New Roman"/>
                 <a:ea typeface="Times New Roman"/>
                 <a:cs typeface="Times New Roman"/>
@@ -15260,7 +15160,7 @@
               <a:t>s</a:t>
             </a:r>
             <a:r>
-              <a:rPr lang="en-US" sz="2000" baseline="-25000" dirty="0" err="1" smtClean="0">
+              <a:rPr lang="en-US" sz="2000" baseline="-25000" dirty="0" err="1">
                 <a:latin typeface="Times New Roman"/>
                 <a:ea typeface="Times New Roman"/>
                 <a:cs typeface="Times New Roman"/>
@@ -15269,7 +15169,7 @@
               <a:t>t</a:t>
             </a:r>
             <a:r>
-              <a:rPr lang="en-US" sz="2000" dirty="0" smtClean="0">
+              <a:rPr lang="en-US" sz="2000" dirty="0">
                 <a:latin typeface="Times New Roman"/>
                 <a:ea typeface="Times New Roman"/>
                 <a:cs typeface="Times New Roman"/>
@@ -15306,7 +15206,7 @@
               <a:buNone/>
             </a:pPr>
             <a:r>
-              <a:rPr lang="en-US" sz="2000" i="1" dirty="0" smtClean="0">
+              <a:rPr lang="en-US" sz="2000" i="1" dirty="0">
                 <a:latin typeface="Times New Roman"/>
                 <a:ea typeface="Times New Roman"/>
                 <a:cs typeface="Times New Roman"/>
@@ -15315,7 +15215,7 @@
               <a:t>V</a:t>
             </a:r>
             <a:r>
-              <a:rPr lang="en-US" sz="2000" dirty="0" smtClean="0">
+              <a:rPr lang="en-US" sz="2000" dirty="0">
                 <a:latin typeface="Times New Roman"/>
                 <a:ea typeface="Times New Roman"/>
                 <a:cs typeface="Times New Roman"/>
@@ -15324,7 +15224,7 @@
               <a:t>*(</a:t>
             </a:r>
             <a:r>
-              <a:rPr lang="en-US" sz="2000" dirty="0" err="1" smtClean="0">
+              <a:rPr lang="en-US" sz="2000" dirty="0" err="1">
                 <a:latin typeface="Times New Roman"/>
                 <a:ea typeface="Times New Roman"/>
                 <a:cs typeface="Times New Roman"/>
@@ -15333,7 +15233,7 @@
               <a:t>s</a:t>
             </a:r>
             <a:r>
-              <a:rPr lang="en-US" sz="2000" baseline="-25000" dirty="0" err="1" smtClean="0">
+              <a:rPr lang="en-US" sz="2000" baseline="-25000" dirty="0" err="1">
                 <a:latin typeface="Times New Roman"/>
                 <a:ea typeface="Times New Roman"/>
                 <a:cs typeface="Times New Roman"/>
@@ -15342,7 +15242,7 @@
               <a:t>t</a:t>
             </a:r>
             <a:r>
-              <a:rPr lang="en-US" sz="2000" dirty="0" smtClean="0">
+              <a:rPr lang="en-US" sz="2000" dirty="0">
                 <a:latin typeface="Times New Roman"/>
                 <a:ea typeface="Times New Roman"/>
                 <a:cs typeface="Times New Roman"/>
@@ -15351,7 +15251,7 @@
               <a:t>) = </a:t>
             </a:r>
             <a:r>
-              <a:rPr lang="en-US" sz="2000" i="1" dirty="0" smtClean="0">
+              <a:rPr lang="en-US" sz="2000" i="1" dirty="0">
                 <a:latin typeface="Times New Roman"/>
                 <a:ea typeface="Times New Roman"/>
                 <a:cs typeface="Times New Roman"/>
@@ -15360,7 +15260,7 @@
               <a:t>r</a:t>
             </a:r>
             <a:r>
-              <a:rPr lang="en-US" sz="2000" dirty="0" smtClean="0">
+              <a:rPr lang="en-US" sz="2000" dirty="0">
                 <a:latin typeface="Times New Roman"/>
                 <a:ea typeface="Times New Roman"/>
                 <a:cs typeface="Times New Roman"/>
@@ -15369,7 +15269,7 @@
               <a:t>(</a:t>
             </a:r>
             <a:r>
-              <a:rPr lang="en-US" sz="2000" dirty="0" err="1" smtClean="0">
+              <a:rPr lang="en-US" sz="2000" dirty="0" err="1">
                 <a:latin typeface="Times New Roman"/>
                 <a:ea typeface="Times New Roman"/>
                 <a:cs typeface="Times New Roman"/>
@@ -15378,7 +15278,7 @@
               <a:t>s</a:t>
             </a:r>
             <a:r>
-              <a:rPr lang="en-US" sz="2000" baseline="-25000" dirty="0" err="1" smtClean="0">
+              <a:rPr lang="en-US" sz="2000" baseline="-25000" dirty="0" err="1">
                 <a:latin typeface="Times New Roman"/>
                 <a:ea typeface="Times New Roman"/>
                 <a:cs typeface="Times New Roman"/>
@@ -15387,7 +15287,7 @@
               <a:t>t</a:t>
             </a:r>
             <a:r>
-              <a:rPr lang="en-US" sz="2000" dirty="0" smtClean="0">
+              <a:rPr lang="en-US" sz="2000" dirty="0">
                 <a:latin typeface="Times New Roman"/>
                 <a:ea typeface="Times New Roman"/>
                 <a:cs typeface="Times New Roman"/>
@@ -15396,7 +15296,7 @@
               <a:t>) + </a:t>
             </a:r>
             <a:r>
-              <a:rPr lang="en-US" sz="2000" dirty="0" smtClean="0">
+              <a:rPr lang="en-US" sz="2000" dirty="0">
                 <a:latin typeface="Times New Roman"/>
                 <a:ea typeface="Times New Roman"/>
                 <a:cs typeface="Times New Roman"/>
@@ -15405,7 +15305,7 @@
               <a:t></a:t>
             </a:r>
             <a:r>
-              <a:rPr lang="en-US" sz="2000" i="1" dirty="0" smtClean="0">
+              <a:rPr lang="en-US" sz="2000" i="1" dirty="0">
                 <a:latin typeface="Times New Roman"/>
                 <a:ea typeface="Times New Roman"/>
                 <a:cs typeface="Times New Roman"/>
@@ -15414,7 +15314,7 @@
               <a:t>V</a:t>
             </a:r>
             <a:r>
-              <a:rPr lang="en-US" sz="2000" dirty="0" smtClean="0">
+              <a:rPr lang="en-US" sz="2000" dirty="0">
                 <a:latin typeface="Times New Roman"/>
                 <a:ea typeface="Times New Roman"/>
                 <a:cs typeface="Times New Roman"/>
@@ -15423,7 +15323,7 @@
               <a:t>*(s</a:t>
             </a:r>
             <a:r>
-              <a:rPr lang="en-US" sz="2000" baseline="-25000" dirty="0" smtClean="0">
+              <a:rPr lang="en-US" sz="2000" baseline="-25000" dirty="0">
                 <a:latin typeface="Times New Roman"/>
                 <a:ea typeface="Times New Roman"/>
                 <a:cs typeface="Times New Roman"/>
@@ -15432,7 +15332,7 @@
               <a:t>t+1</a:t>
             </a:r>
             <a:r>
-              <a:rPr lang="en-US" sz="2000" dirty="0" smtClean="0">
+              <a:rPr lang="en-US" sz="2000" dirty="0">
                 <a:latin typeface="Times New Roman"/>
                 <a:ea typeface="Times New Roman"/>
                 <a:cs typeface="Times New Roman"/>
@@ -15517,7 +15417,7 @@
               <a:t>The approximation </a:t>
             </a:r>
             <a:r>
-              <a:rPr lang="en-US" sz="2000" i="1" dirty="0" smtClean="0">
+              <a:rPr lang="en-US" sz="2000" i="1" dirty="0">
                 <a:latin typeface="Times New Roman"/>
                 <a:ea typeface="Times New Roman"/>
                 <a:cs typeface="Times New Roman"/>
@@ -15526,7 +15426,7 @@
               <a:t>V</a:t>
             </a:r>
             <a:r>
-              <a:rPr lang="en-US" sz="2000" dirty="0" smtClean="0">
+              <a:rPr lang="en-US" sz="2000" dirty="0">
                 <a:latin typeface="Times New Roman"/>
                 <a:ea typeface="Times New Roman"/>
                 <a:cs typeface="Times New Roman"/>
@@ -15535,7 +15435,7 @@
               <a:t>(</a:t>
             </a:r>
             <a:r>
-              <a:rPr lang="en-US" sz="2000" i="1" dirty="0" err="1" smtClean="0">
+              <a:rPr lang="en-US" sz="2000" i="1" dirty="0" err="1">
                 <a:latin typeface="Times New Roman"/>
                 <a:ea typeface="Times New Roman"/>
                 <a:cs typeface="Times New Roman"/>
@@ -15544,7 +15444,7 @@
               <a:t>s</a:t>
             </a:r>
             <a:r>
-              <a:rPr lang="en-US" sz="2000" i="1" baseline="-25000" dirty="0" err="1" smtClean="0">
+              <a:rPr lang="en-US" sz="2000" i="1" baseline="-25000" dirty="0" err="1">
                 <a:latin typeface="Times New Roman"/>
                 <a:ea typeface="Times New Roman"/>
                 <a:cs typeface="Times New Roman"/>
@@ -15585,11 +15485,11 @@
               <a:buNone/>
             </a:pPr>
             <a:r>
-              <a:rPr lang="en-US" sz="2000" b="1" i="1" dirty="0" smtClean="0"/>
+              <a:rPr lang="en-US" sz="2000" b="1" i="1" dirty="0"/>
               <a:t>				</a:t>
             </a:r>
             <a:r>
-              <a:rPr lang="en-US" sz="2000" i="1" dirty="0" smtClean="0">
+              <a:rPr lang="en-US" sz="2000" i="1" dirty="0">
                 <a:latin typeface="Times New Roman"/>
                 <a:ea typeface="Times New Roman"/>
                 <a:cs typeface="Times New Roman"/>
@@ -15598,7 +15498,7 @@
               <a:t>V</a:t>
             </a:r>
             <a:r>
-              <a:rPr lang="en-US" sz="2000" dirty="0" smtClean="0">
+              <a:rPr lang="en-US" sz="2000" dirty="0">
                 <a:latin typeface="Times New Roman"/>
                 <a:ea typeface="Times New Roman"/>
                 <a:cs typeface="Times New Roman"/>
@@ -15607,7 +15507,7 @@
               <a:t>(</a:t>
             </a:r>
             <a:r>
-              <a:rPr lang="en-US" sz="2000" dirty="0" err="1" smtClean="0">
+              <a:rPr lang="en-US" sz="2000" dirty="0" err="1">
                 <a:latin typeface="Times New Roman"/>
                 <a:ea typeface="Times New Roman"/>
                 <a:cs typeface="Times New Roman"/>
@@ -15616,7 +15516,7 @@
               <a:t>s</a:t>
             </a:r>
             <a:r>
-              <a:rPr lang="en-US" sz="2000" baseline="-25000" dirty="0" err="1" smtClean="0">
+              <a:rPr lang="en-US" sz="2000" baseline="-25000" dirty="0" err="1">
                 <a:latin typeface="Times New Roman"/>
                 <a:ea typeface="Times New Roman"/>
                 <a:cs typeface="Times New Roman"/>
@@ -15625,7 +15525,7 @@
               <a:t>t</a:t>
             </a:r>
             <a:r>
-              <a:rPr lang="en-US" sz="2000" dirty="0" smtClean="0">
+              <a:rPr lang="en-US" sz="2000" dirty="0">
                 <a:latin typeface="Times New Roman"/>
                 <a:ea typeface="Times New Roman"/>
                 <a:cs typeface="Times New Roman"/>
@@ -15634,7 +15534,7 @@
               <a:t>) = </a:t>
             </a:r>
             <a:r>
-              <a:rPr lang="en-US" sz="2000" i="1" dirty="0" smtClean="0">
+              <a:rPr lang="en-US" sz="2000" i="1" dirty="0">
                 <a:latin typeface="Times New Roman"/>
                 <a:ea typeface="Times New Roman"/>
                 <a:cs typeface="Times New Roman"/>
@@ -15643,7 +15543,7 @@
               <a:t>r</a:t>
             </a:r>
             <a:r>
-              <a:rPr lang="en-US" sz="2000" dirty="0" smtClean="0">
+              <a:rPr lang="en-US" sz="2000" dirty="0">
                 <a:latin typeface="Times New Roman"/>
                 <a:ea typeface="Times New Roman"/>
                 <a:cs typeface="Times New Roman"/>
@@ -15652,7 +15552,7 @@
               <a:t>(</a:t>
             </a:r>
             <a:r>
-              <a:rPr lang="en-US" sz="2000" dirty="0" err="1" smtClean="0">
+              <a:rPr lang="en-US" sz="2000" dirty="0" err="1">
                 <a:latin typeface="Times New Roman"/>
                 <a:ea typeface="Times New Roman"/>
                 <a:cs typeface="Times New Roman"/>
@@ -15661,7 +15561,7 @@
               <a:t>s</a:t>
             </a:r>
             <a:r>
-              <a:rPr lang="en-US" sz="2000" baseline="-25000" dirty="0" err="1" smtClean="0">
+              <a:rPr lang="en-US" sz="2000" baseline="-25000" dirty="0" err="1">
                 <a:latin typeface="Times New Roman"/>
                 <a:ea typeface="Times New Roman"/>
                 <a:cs typeface="Times New Roman"/>
@@ -15670,7 +15570,7 @@
               <a:t>t</a:t>
             </a:r>
             <a:r>
-              <a:rPr lang="en-US" sz="2000" dirty="0" smtClean="0">
+              <a:rPr lang="en-US" sz="2000" dirty="0">
                 <a:latin typeface="Times New Roman"/>
                 <a:ea typeface="Times New Roman"/>
                 <a:cs typeface="Times New Roman"/>
@@ -15679,7 +15579,7 @@
               <a:t>) + </a:t>
             </a:r>
             <a:r>
-              <a:rPr lang="en-US" sz="2000" dirty="0" smtClean="0">
+              <a:rPr lang="en-US" sz="2000" dirty="0">
                 <a:latin typeface="Times New Roman"/>
                 <a:ea typeface="Times New Roman"/>
                 <a:cs typeface="Times New Roman"/>
@@ -15688,7 +15588,7 @@
               <a:t></a:t>
             </a:r>
             <a:r>
-              <a:rPr lang="en-US" sz="2000" i="1" dirty="0" smtClean="0">
+              <a:rPr lang="en-US" sz="2000" i="1" dirty="0">
                 <a:latin typeface="Times New Roman"/>
                 <a:ea typeface="Times New Roman"/>
                 <a:cs typeface="Times New Roman"/>
@@ -15697,7 +15597,7 @@
               <a:t>V</a:t>
             </a:r>
             <a:r>
-              <a:rPr lang="en-US" sz="2000" dirty="0" smtClean="0">
+              <a:rPr lang="en-US" sz="2000" dirty="0">
                 <a:latin typeface="Times New Roman"/>
                 <a:ea typeface="Times New Roman"/>
                 <a:cs typeface="Times New Roman"/>
@@ -15706,7 +15606,7 @@
               <a:t>(s</a:t>
             </a:r>
             <a:r>
-              <a:rPr lang="en-US" sz="2000" baseline="-25000" dirty="0" smtClean="0">
+              <a:rPr lang="en-US" sz="2000" baseline="-25000" dirty="0">
                 <a:latin typeface="Times New Roman"/>
                 <a:ea typeface="Times New Roman"/>
                 <a:cs typeface="Times New Roman"/>
@@ -15715,7 +15615,7 @@
               <a:t>t+1</a:t>
             </a:r>
             <a:r>
-              <a:rPr lang="en-US" sz="2000" dirty="0" smtClean="0">
+              <a:rPr lang="en-US" sz="2000" dirty="0">
                 <a:latin typeface="Times New Roman"/>
                 <a:ea typeface="Times New Roman"/>
                 <a:cs typeface="Times New Roman"/>
@@ -15733,18 +15633,18 @@
               <a:buNone/>
             </a:pPr>
             <a:r>
-              <a:rPr lang="en-US" sz="2000" b="1" i="1" dirty="0" smtClean="0"/>
+              <a:rPr lang="en-US" sz="2000" b="1" i="1" dirty="0"/>
               <a:t>				</a:t>
             </a:r>
             <a:r>
-              <a:rPr lang="en-US" sz="2000" dirty="0" smtClean="0">
+              <a:rPr lang="en-US" sz="2000" dirty="0">
                 <a:latin typeface="Times New Roman" pitchFamily="18" charset="0"/>
                 <a:cs typeface="Times New Roman" pitchFamily="18" charset="0"/>
               </a:rPr>
               <a:t>e</a:t>
             </a:r>
             <a:r>
-              <a:rPr lang="en-US" sz="2000" dirty="0" smtClean="0">
+              <a:rPr lang="en-US" sz="2000" dirty="0">
                 <a:latin typeface="Times New Roman"/>
                 <a:ea typeface="Times New Roman"/>
                 <a:cs typeface="Times New Roman"/>
@@ -15753,7 +15653,7 @@
               <a:t>(</a:t>
             </a:r>
             <a:r>
-              <a:rPr lang="en-US" sz="2000" dirty="0" err="1" smtClean="0">
+              <a:rPr lang="en-US" sz="2000" dirty="0" err="1">
                 <a:latin typeface="Times New Roman"/>
                 <a:ea typeface="Times New Roman"/>
                 <a:cs typeface="Times New Roman"/>
@@ -15762,7 +15662,7 @@
               <a:t>s</a:t>
             </a:r>
             <a:r>
-              <a:rPr lang="en-US" sz="2000" baseline="-25000" dirty="0" err="1" smtClean="0">
+              <a:rPr lang="en-US" sz="2000" baseline="-25000" dirty="0" err="1">
                 <a:latin typeface="Times New Roman"/>
                 <a:ea typeface="Times New Roman"/>
                 <a:cs typeface="Times New Roman"/>
@@ -15771,7 +15671,7 @@
               <a:t>t</a:t>
             </a:r>
             <a:r>
-              <a:rPr lang="en-US" sz="2000" dirty="0" smtClean="0">
+              <a:rPr lang="en-US" sz="2000" dirty="0">
                 <a:latin typeface="Times New Roman"/>
                 <a:ea typeface="Times New Roman"/>
                 <a:cs typeface="Times New Roman"/>
@@ -15780,7 +15680,7 @@
               <a:t>) + </a:t>
             </a:r>
             <a:r>
-              <a:rPr lang="en-US" sz="2000" i="1" dirty="0" smtClean="0">
+              <a:rPr lang="en-US" sz="2000" i="1" dirty="0">
                 <a:latin typeface="Times New Roman"/>
                 <a:ea typeface="Times New Roman"/>
                 <a:cs typeface="Times New Roman"/>
@@ -15789,7 +15689,7 @@
               <a:t>V</a:t>
             </a:r>
             <a:r>
-              <a:rPr lang="en-US" sz="2000" dirty="0" smtClean="0">
+              <a:rPr lang="en-US" sz="2000" dirty="0">
                 <a:latin typeface="Times New Roman"/>
                 <a:ea typeface="Times New Roman"/>
                 <a:cs typeface="Times New Roman"/>
@@ -15798,7 +15698,7 @@
               <a:t>*(</a:t>
             </a:r>
             <a:r>
-              <a:rPr lang="en-US" sz="2000" dirty="0" err="1" smtClean="0">
+              <a:rPr lang="en-US" sz="2000" dirty="0" err="1">
                 <a:latin typeface="Times New Roman"/>
                 <a:ea typeface="Times New Roman"/>
                 <a:cs typeface="Times New Roman"/>
@@ -15807,7 +15707,7 @@
               <a:t>s</a:t>
             </a:r>
             <a:r>
-              <a:rPr lang="en-US" sz="2000" baseline="-25000" dirty="0" err="1" smtClean="0">
+              <a:rPr lang="en-US" sz="2000" baseline="-25000" dirty="0" err="1">
                 <a:latin typeface="Times New Roman"/>
                 <a:ea typeface="Times New Roman"/>
                 <a:cs typeface="Times New Roman"/>
@@ -15816,7 +15716,7 @@
               <a:t>t</a:t>
             </a:r>
             <a:r>
-              <a:rPr lang="en-US" sz="2000" dirty="0" smtClean="0">
+              <a:rPr lang="en-US" sz="2000" dirty="0">
                 <a:latin typeface="Times New Roman"/>
                 <a:ea typeface="Times New Roman"/>
                 <a:cs typeface="Times New Roman"/>
@@ -15825,7 +15725,7 @@
               <a:t>) = </a:t>
             </a:r>
             <a:r>
-              <a:rPr lang="en-US" sz="2000" i="1" dirty="0" smtClean="0">
+              <a:rPr lang="en-US" sz="2000" i="1" dirty="0">
                 <a:latin typeface="Times New Roman"/>
                 <a:ea typeface="Times New Roman"/>
                 <a:cs typeface="Times New Roman"/>
@@ -15834,7 +15734,7 @@
               <a:t>r</a:t>
             </a:r>
             <a:r>
-              <a:rPr lang="en-US" sz="2000" dirty="0" smtClean="0">
+              <a:rPr lang="en-US" sz="2000" dirty="0">
                 <a:latin typeface="Times New Roman"/>
                 <a:ea typeface="Times New Roman"/>
                 <a:cs typeface="Times New Roman"/>
@@ -15843,7 +15743,7 @@
               <a:t>(</a:t>
             </a:r>
             <a:r>
-              <a:rPr lang="en-US" sz="2000" dirty="0" err="1" smtClean="0">
+              <a:rPr lang="en-US" sz="2000" dirty="0" err="1">
                 <a:latin typeface="Times New Roman"/>
                 <a:ea typeface="Times New Roman"/>
                 <a:cs typeface="Times New Roman"/>
@@ -15852,7 +15752,7 @@
               <a:t>s</a:t>
             </a:r>
             <a:r>
-              <a:rPr lang="en-US" sz="2000" baseline="-25000" dirty="0" err="1" smtClean="0">
+              <a:rPr lang="en-US" sz="2000" baseline="-25000" dirty="0" err="1">
                 <a:latin typeface="Times New Roman"/>
                 <a:ea typeface="Times New Roman"/>
                 <a:cs typeface="Times New Roman"/>
@@ -15861,7 +15761,7 @@
               <a:t>t</a:t>
             </a:r>
             <a:r>
-              <a:rPr lang="en-US" sz="2000" dirty="0" smtClean="0">
+              <a:rPr lang="en-US" sz="2000" dirty="0">
                 <a:latin typeface="Times New Roman"/>
                 <a:ea typeface="Times New Roman"/>
                 <a:cs typeface="Times New Roman"/>
@@ -15870,7 +15770,7 @@
               <a:t>) + </a:t>
             </a:r>
             <a:r>
-              <a:rPr lang="en-US" sz="2000" dirty="0" smtClean="0">
+              <a:rPr lang="en-US" sz="2000" dirty="0">
                 <a:latin typeface="Times New Roman"/>
                 <a:ea typeface="Times New Roman"/>
                 <a:cs typeface="Times New Roman"/>
@@ -15879,14 +15779,14 @@
               <a:t>(</a:t>
             </a:r>
             <a:r>
-              <a:rPr lang="en-US" sz="2000" dirty="0" smtClean="0">
+              <a:rPr lang="en-US" sz="2000" dirty="0">
                 <a:latin typeface="Times New Roman" pitchFamily="18" charset="0"/>
                 <a:cs typeface="Times New Roman" pitchFamily="18" charset="0"/>
               </a:rPr>
               <a:t>e</a:t>
             </a:r>
             <a:r>
-              <a:rPr lang="en-US" sz="2000" dirty="0" smtClean="0">
+              <a:rPr lang="en-US" sz="2000" dirty="0">
                 <a:latin typeface="Times New Roman"/>
                 <a:ea typeface="Times New Roman"/>
                 <a:cs typeface="Times New Roman"/>
@@ -15895,7 +15795,7 @@
               <a:t>(s</a:t>
             </a:r>
             <a:r>
-              <a:rPr lang="en-US" sz="2000" baseline="-25000" dirty="0" smtClean="0">
+              <a:rPr lang="en-US" sz="2000" baseline="-25000" dirty="0">
                 <a:latin typeface="Times New Roman"/>
                 <a:ea typeface="Times New Roman"/>
                 <a:cs typeface="Times New Roman"/>
@@ -15904,7 +15804,7 @@
               <a:t>t+1</a:t>
             </a:r>
             <a:r>
-              <a:rPr lang="en-US" sz="2000" dirty="0" smtClean="0">
+              <a:rPr lang="en-US" sz="2000" dirty="0">
                 <a:latin typeface="Times New Roman"/>
                 <a:ea typeface="Times New Roman"/>
                 <a:cs typeface="Times New Roman"/>
@@ -15913,7 +15813,7 @@
               <a:t>) + </a:t>
             </a:r>
             <a:r>
-              <a:rPr lang="en-US" sz="2000" i="1" dirty="0" smtClean="0">
+              <a:rPr lang="en-US" sz="2000" i="1" dirty="0">
                 <a:latin typeface="Times New Roman"/>
                 <a:ea typeface="Times New Roman"/>
                 <a:cs typeface="Times New Roman"/>
@@ -15922,7 +15822,7 @@
               <a:t>V</a:t>
             </a:r>
             <a:r>
-              <a:rPr lang="en-US" sz="2000" dirty="0" smtClean="0">
+              <a:rPr lang="en-US" sz="2000" dirty="0">
                 <a:latin typeface="Times New Roman"/>
                 <a:ea typeface="Times New Roman"/>
                 <a:cs typeface="Times New Roman"/>
@@ -15931,7 +15831,7 @@
               <a:t>*(s</a:t>
             </a:r>
             <a:r>
-              <a:rPr lang="en-US" sz="2000" baseline="-25000" dirty="0" smtClean="0">
+              <a:rPr lang="en-US" sz="2000" baseline="-25000" dirty="0">
                 <a:latin typeface="Times New Roman"/>
                 <a:ea typeface="Times New Roman"/>
                 <a:cs typeface="Times New Roman"/>
@@ -15940,7 +15840,7 @@
               <a:t>t+1</a:t>
             </a:r>
             <a:r>
-              <a:rPr lang="en-US" sz="2000" dirty="0" smtClean="0">
+              <a:rPr lang="en-US" sz="2000" dirty="0">
                 <a:latin typeface="Times New Roman"/>
                 <a:ea typeface="Times New Roman"/>
                 <a:cs typeface="Times New Roman"/>
@@ -15962,18 +15862,18 @@
               <a:buNone/>
             </a:pPr>
             <a:r>
-              <a:rPr lang="en-US" sz="2000" b="1" i="1" dirty="0" smtClean="0"/>
+              <a:rPr lang="en-US" sz="2000" b="1" i="1" dirty="0"/>
               <a:t>				</a:t>
             </a:r>
             <a:r>
-              <a:rPr lang="en-US" sz="2000" dirty="0" smtClean="0">
+              <a:rPr lang="en-US" sz="2000" dirty="0">
                 <a:latin typeface="Times New Roman" pitchFamily="18" charset="0"/>
                 <a:cs typeface="Times New Roman" pitchFamily="18" charset="0"/>
               </a:rPr>
               <a:t>e</a:t>
             </a:r>
             <a:r>
-              <a:rPr lang="en-US" sz="2000" dirty="0" smtClean="0">
+              <a:rPr lang="en-US" sz="2000" dirty="0">
                 <a:latin typeface="Times New Roman"/>
                 <a:ea typeface="Times New Roman"/>
                 <a:cs typeface="Times New Roman"/>
@@ -15982,7 +15882,7 @@
               <a:t>(</a:t>
             </a:r>
             <a:r>
-              <a:rPr lang="en-US" sz="2000" dirty="0" err="1" smtClean="0">
+              <a:rPr lang="en-US" sz="2000" dirty="0" err="1">
                 <a:latin typeface="Times New Roman"/>
                 <a:ea typeface="Times New Roman"/>
                 <a:cs typeface="Times New Roman"/>
@@ -15991,7 +15891,7 @@
               <a:t>s</a:t>
             </a:r>
             <a:r>
-              <a:rPr lang="en-US" sz="2000" baseline="-25000" dirty="0" err="1" smtClean="0">
+              <a:rPr lang="en-US" sz="2000" baseline="-25000" dirty="0" err="1">
                 <a:latin typeface="Times New Roman"/>
                 <a:ea typeface="Times New Roman"/>
                 <a:cs typeface="Times New Roman"/>
@@ -16000,7 +15900,7 @@
               <a:t>t</a:t>
             </a:r>
             <a:r>
-              <a:rPr lang="en-US" sz="2000" dirty="0" smtClean="0">
+              <a:rPr lang="en-US" sz="2000" dirty="0">
                 <a:latin typeface="Times New Roman"/>
                 <a:ea typeface="Times New Roman"/>
                 <a:cs typeface="Times New Roman"/>
@@ -16009,7 +15909,7 @@
               <a:t>) + </a:t>
             </a:r>
             <a:r>
-              <a:rPr lang="en-US" sz="2000" i="1" dirty="0" smtClean="0">
+              <a:rPr lang="en-US" sz="2000" i="1" dirty="0">
                 <a:latin typeface="Times New Roman"/>
                 <a:ea typeface="Times New Roman"/>
                 <a:cs typeface="Times New Roman"/>
@@ -16018,7 +15918,7 @@
               <a:t>V</a:t>
             </a:r>
             <a:r>
-              <a:rPr lang="en-US" sz="2000" dirty="0" smtClean="0">
+              <a:rPr lang="en-US" sz="2000" dirty="0">
                 <a:latin typeface="Times New Roman"/>
                 <a:ea typeface="Times New Roman"/>
                 <a:cs typeface="Times New Roman"/>
@@ -16027,7 +15927,7 @@
               <a:t>*(</a:t>
             </a:r>
             <a:r>
-              <a:rPr lang="en-US" sz="2000" dirty="0" err="1" smtClean="0">
+              <a:rPr lang="en-US" sz="2000" dirty="0" err="1">
                 <a:latin typeface="Times New Roman"/>
                 <a:ea typeface="Times New Roman"/>
                 <a:cs typeface="Times New Roman"/>
@@ -16036,7 +15936,7 @@
               <a:t>s</a:t>
             </a:r>
             <a:r>
-              <a:rPr lang="en-US" sz="2000" baseline="-25000" dirty="0" err="1" smtClean="0">
+              <a:rPr lang="en-US" sz="2000" baseline="-25000" dirty="0" err="1">
                 <a:latin typeface="Times New Roman"/>
                 <a:ea typeface="Times New Roman"/>
                 <a:cs typeface="Times New Roman"/>
@@ -16045,7 +15945,7 @@
               <a:t>t</a:t>
             </a:r>
             <a:r>
-              <a:rPr lang="en-US" sz="2000" dirty="0" smtClean="0">
+              <a:rPr lang="en-US" sz="2000" dirty="0">
                 <a:latin typeface="Times New Roman"/>
                 <a:ea typeface="Times New Roman"/>
                 <a:cs typeface="Times New Roman"/>
@@ -16054,7 +15954,7 @@
               <a:t>) = </a:t>
             </a:r>
             <a:r>
-              <a:rPr lang="en-US" sz="2000" i="1" dirty="0" smtClean="0">
+              <a:rPr lang="en-US" sz="2000" i="1" dirty="0">
                 <a:latin typeface="Times New Roman"/>
                 <a:ea typeface="Times New Roman"/>
                 <a:cs typeface="Times New Roman"/>
@@ -16063,7 +15963,7 @@
               <a:t>r</a:t>
             </a:r>
             <a:r>
-              <a:rPr lang="en-US" sz="2000" dirty="0" smtClean="0">
+              <a:rPr lang="en-US" sz="2000" dirty="0">
                 <a:latin typeface="Times New Roman"/>
                 <a:ea typeface="Times New Roman"/>
                 <a:cs typeface="Times New Roman"/>
@@ -16072,7 +15972,7 @@
               <a:t>(</a:t>
             </a:r>
             <a:r>
-              <a:rPr lang="en-US" sz="2000" dirty="0" err="1" smtClean="0">
+              <a:rPr lang="en-US" sz="2000" dirty="0" err="1">
                 <a:latin typeface="Times New Roman"/>
                 <a:ea typeface="Times New Roman"/>
                 <a:cs typeface="Times New Roman"/>
@@ -16081,7 +15981,7 @@
               <a:t>s</a:t>
             </a:r>
             <a:r>
-              <a:rPr lang="en-US" sz="2000" baseline="-25000" dirty="0" err="1" smtClean="0">
+              <a:rPr lang="en-US" sz="2000" baseline="-25000" dirty="0" err="1">
                 <a:latin typeface="Times New Roman"/>
                 <a:ea typeface="Times New Roman"/>
                 <a:cs typeface="Times New Roman"/>
@@ -16090,7 +15990,7 @@
               <a:t>t</a:t>
             </a:r>
             <a:r>
-              <a:rPr lang="en-US" sz="2000" dirty="0" smtClean="0">
+              <a:rPr lang="en-US" sz="2000" dirty="0">
                 <a:latin typeface="Times New Roman"/>
                 <a:ea typeface="Times New Roman"/>
                 <a:cs typeface="Times New Roman"/>
@@ -16099,7 +15999,7 @@
               <a:t>) + </a:t>
             </a:r>
             <a:r>
-              <a:rPr lang="en-US" sz="2000" dirty="0" smtClean="0">
+              <a:rPr lang="en-US" sz="2000" dirty="0">
                 <a:latin typeface="Times New Roman"/>
                 <a:ea typeface="Times New Roman"/>
                 <a:cs typeface="Times New Roman"/>
@@ -16108,14 +16008,14 @@
               <a:t></a:t>
             </a:r>
             <a:r>
-              <a:rPr lang="en-US" sz="2000" dirty="0" smtClean="0">
+              <a:rPr lang="en-US" sz="2000" dirty="0">
                 <a:latin typeface="Times New Roman" pitchFamily="18" charset="0"/>
                 <a:cs typeface="Times New Roman" pitchFamily="18" charset="0"/>
               </a:rPr>
               <a:t>e</a:t>
             </a:r>
             <a:r>
-              <a:rPr lang="en-US" sz="2000" dirty="0" smtClean="0">
+              <a:rPr lang="en-US" sz="2000" dirty="0">
                 <a:latin typeface="Times New Roman"/>
                 <a:ea typeface="Times New Roman"/>
                 <a:cs typeface="Times New Roman"/>
@@ -16124,7 +16024,7 @@
               <a:t>(s</a:t>
             </a:r>
             <a:r>
-              <a:rPr lang="en-US" sz="2000" baseline="-25000" dirty="0" smtClean="0">
+              <a:rPr lang="en-US" sz="2000" baseline="-25000" dirty="0">
                 <a:latin typeface="Times New Roman"/>
                 <a:ea typeface="Times New Roman"/>
                 <a:cs typeface="Times New Roman"/>
@@ -16133,7 +16033,7 @@
               <a:t>t+1</a:t>
             </a:r>
             <a:r>
-              <a:rPr lang="en-US" sz="2000" dirty="0" smtClean="0">
+              <a:rPr lang="en-US" sz="2000" dirty="0">
                 <a:latin typeface="Times New Roman"/>
                 <a:ea typeface="Times New Roman"/>
                 <a:cs typeface="Times New Roman"/>
@@ -16142,7 +16042,7 @@
               <a:t>) + </a:t>
             </a:r>
             <a:r>
-              <a:rPr lang="en-US" sz="2000" dirty="0" smtClean="0">
+              <a:rPr lang="en-US" sz="2000" dirty="0">
                 <a:latin typeface="Times New Roman"/>
                 <a:ea typeface="Times New Roman"/>
                 <a:cs typeface="Times New Roman"/>
@@ -16151,7 +16051,7 @@
               <a:t></a:t>
             </a:r>
             <a:r>
-              <a:rPr lang="en-US" sz="2000" i="1" dirty="0" smtClean="0">
+              <a:rPr lang="en-US" sz="2000" i="1" dirty="0">
                 <a:latin typeface="Times New Roman"/>
                 <a:ea typeface="Times New Roman"/>
                 <a:cs typeface="Times New Roman"/>
@@ -16160,7 +16060,7 @@
               <a:t>V</a:t>
             </a:r>
             <a:r>
-              <a:rPr lang="en-US" sz="2000" dirty="0" smtClean="0">
+              <a:rPr lang="en-US" sz="2000" dirty="0">
                 <a:latin typeface="Times New Roman"/>
                 <a:ea typeface="Times New Roman"/>
                 <a:cs typeface="Times New Roman"/>
@@ -16169,7 +16069,7 @@
               <a:t>*(s</a:t>
             </a:r>
             <a:r>
-              <a:rPr lang="en-US" sz="2000" baseline="-25000" dirty="0" smtClean="0">
+              <a:rPr lang="en-US" sz="2000" baseline="-25000" dirty="0">
                 <a:latin typeface="Times New Roman"/>
                 <a:ea typeface="Times New Roman"/>
                 <a:cs typeface="Times New Roman"/>
@@ -16178,7 +16078,7 @@
               <a:t>t+1</a:t>
             </a:r>
             <a:r>
-              <a:rPr lang="en-US" sz="2000" dirty="0" smtClean="0">
+              <a:rPr lang="en-US" sz="2000" dirty="0">
                 <a:latin typeface="Times New Roman"/>
                 <a:ea typeface="Times New Roman"/>
                 <a:cs typeface="Times New Roman"/>
@@ -16186,7 +16086,7 @@
               </a:rPr>
               <a:t>))</a:t>
             </a:r>
-            <a:endParaRPr lang="en-US" sz="2000" dirty="0" smtClean="0">
+            <a:endParaRPr lang="en-US" sz="2000" dirty="0">
               <a:latin typeface="Times New Roman" pitchFamily="18" charset="0"/>
               <a:cs typeface="Times New Roman" pitchFamily="18" charset="0"/>
             </a:endParaRPr>
@@ -16206,7 +16106,7 @@
               <a:buChar char="•"/>
             </a:pPr>
             <a:r>
-              <a:rPr lang="en-US" sz="2000" i="1" dirty="0" smtClean="0">
+              <a:rPr lang="en-US" sz="2000" i="1" dirty="0">
                 <a:latin typeface="Times New Roman"/>
                 <a:ea typeface="Times New Roman"/>
                 <a:cs typeface="Times New Roman"/>
@@ -16215,7 +16115,7 @@
               <a:t>V*(</a:t>
             </a:r>
             <a:r>
-              <a:rPr lang="en-US" sz="2000" i="1" dirty="0" err="1" smtClean="0">
+              <a:rPr lang="en-US" sz="2000" i="1" dirty="0" err="1">
                 <a:latin typeface="Times New Roman"/>
                 <a:ea typeface="Times New Roman"/>
                 <a:cs typeface="Times New Roman"/>
@@ -16224,7 +16124,7 @@
               <a:t>s</a:t>
             </a:r>
             <a:r>
-              <a:rPr lang="en-US" sz="2000" i="1" baseline="-25000" dirty="0" err="1" smtClean="0">
+              <a:rPr lang="en-US" sz="2000" i="1" baseline="-25000" dirty="0" err="1">
                 <a:latin typeface="Times New Roman"/>
                 <a:ea typeface="Times New Roman"/>
                 <a:cs typeface="Times New Roman"/>
@@ -16266,14 +16166,14 @@
               <a:buNone/>
             </a:pPr>
             <a:r>
-              <a:rPr lang="en-US" sz="2000" dirty="0" smtClean="0">
+              <a:rPr lang="en-US" sz="2000" dirty="0">
                 <a:latin typeface="Times New Roman" pitchFamily="18" charset="0"/>
                 <a:cs typeface="Times New Roman" pitchFamily="18" charset="0"/>
               </a:rPr>
               <a:t>e</a:t>
             </a:r>
             <a:r>
-              <a:rPr lang="en-US" sz="2000" dirty="0" smtClean="0">
+              <a:rPr lang="en-US" sz="2000" dirty="0">
                 <a:latin typeface="Times New Roman"/>
                 <a:ea typeface="Times New Roman"/>
                 <a:cs typeface="Times New Roman"/>
@@ -16282,7 +16182,7 @@
               <a:t>(</a:t>
             </a:r>
             <a:r>
-              <a:rPr lang="en-US" sz="2000" dirty="0" err="1" smtClean="0">
+              <a:rPr lang="en-US" sz="2000" dirty="0" err="1">
                 <a:latin typeface="Times New Roman"/>
                 <a:ea typeface="Times New Roman"/>
                 <a:cs typeface="Times New Roman"/>
@@ -16291,7 +16191,7 @@
               <a:t>s</a:t>
             </a:r>
             <a:r>
-              <a:rPr lang="en-US" sz="2000" baseline="-25000" dirty="0" err="1" smtClean="0">
+              <a:rPr lang="en-US" sz="2000" baseline="-25000" dirty="0" err="1">
                 <a:latin typeface="Times New Roman"/>
                 <a:ea typeface="Times New Roman"/>
                 <a:cs typeface="Times New Roman"/>
@@ -16300,7 +16200,7 @@
               <a:t>t</a:t>
             </a:r>
             <a:r>
-              <a:rPr lang="en-US" sz="2000" dirty="0" smtClean="0">
+              <a:rPr lang="en-US" sz="2000" dirty="0">
                 <a:latin typeface="Times New Roman"/>
                 <a:ea typeface="Times New Roman"/>
                 <a:cs typeface="Times New Roman"/>
@@ -16309,7 +16209,7 @@
               <a:t>) = </a:t>
             </a:r>
             <a:r>
-              <a:rPr lang="en-US" sz="2000" dirty="0" smtClean="0">
+              <a:rPr lang="en-US" sz="2000" dirty="0">
                 <a:latin typeface="Times New Roman"/>
                 <a:ea typeface="Times New Roman"/>
                 <a:cs typeface="Times New Roman"/>
@@ -16318,14 +16218,14 @@
               <a:t></a:t>
             </a:r>
             <a:r>
-              <a:rPr lang="en-US" sz="2000" dirty="0" smtClean="0">
+              <a:rPr lang="en-US" sz="2000" dirty="0">
                 <a:latin typeface="Times New Roman" pitchFamily="18" charset="0"/>
                 <a:cs typeface="Times New Roman" pitchFamily="18" charset="0"/>
               </a:rPr>
               <a:t>e</a:t>
             </a:r>
             <a:r>
-              <a:rPr lang="en-US" sz="2000" dirty="0" smtClean="0">
+              <a:rPr lang="en-US" sz="2000" dirty="0">
                 <a:latin typeface="Times New Roman"/>
                 <a:ea typeface="Times New Roman"/>
                 <a:cs typeface="Times New Roman"/>
@@ -16334,7 +16234,7 @@
               <a:t>(s</a:t>
             </a:r>
             <a:r>
-              <a:rPr lang="en-US" sz="2000" baseline="-25000" dirty="0" smtClean="0">
+              <a:rPr lang="en-US" sz="2000" baseline="-25000" dirty="0">
                 <a:latin typeface="Times New Roman"/>
                 <a:ea typeface="Times New Roman"/>
                 <a:cs typeface="Times New Roman"/>
@@ -16343,7 +16243,7 @@
               <a:t>t+1</a:t>
             </a:r>
             <a:r>
-              <a:rPr lang="en-US" sz="2000" dirty="0" smtClean="0">
+              <a:rPr lang="en-US" sz="2000" dirty="0">
                 <a:latin typeface="Times New Roman"/>
                 <a:ea typeface="Times New Roman"/>
                 <a:cs typeface="Times New Roman"/>
@@ -16384,22 +16284,13 @@
           <a:p>
             <a:pPr algn="ctr"/>
             <a:r>
-              <a:rPr lang="en-US" sz="3600" dirty="0" smtClean="0">
-                <a:latin typeface="Times New Roman"/>
-                <a:ea typeface="Times New Roman"/>
-                <a:cs typeface="Times New Roman"/>
-                <a:sym typeface="Times New Roman"/>
-              </a:rPr>
-              <a:t>Bellman </a:t>
-            </a:r>
-            <a:r>
-              <a:rPr lang="en-US" sz="3600" dirty="0" smtClean="0">
-                <a:latin typeface="Times New Roman"/>
-                <a:ea typeface="Times New Roman"/>
-                <a:cs typeface="Times New Roman"/>
-                <a:sym typeface="Times New Roman"/>
-              </a:rPr>
-              <a:t>Equation</a:t>
+              <a:rPr lang="en-US" sz="3600" dirty="0">
+                <a:latin typeface="Times New Roman"/>
+                <a:ea typeface="Times New Roman"/>
+                <a:cs typeface="Times New Roman"/>
+                <a:sym typeface="Times New Roman"/>
+              </a:rPr>
+              <a:t>Bellman Equation</a:t>
             </a:r>
             <a:endParaRPr lang="en-US" sz="3600" dirty="0"/>
           </a:p>
@@ -16580,13 +16471,6 @@
   <p:clrMapOvr>
     <a:masterClrMapping/>
   </p:clrMapOvr>
-  <p:timing>
-    <p:tnLst>
-      <p:par>
-        <p:cTn id="1" dur="indefinite" restart="never" nodeType="tmRoot"/>
-      </p:par>
-    </p:tnLst>
-  </p:timing>
 </p:sld>
 </file>
 
@@ -17090,7 +16974,7 @@
               <a:buNone/>
             </a:pPr>
             <a:r>
-              <a:rPr lang="en-US" sz="3200" dirty="0" smtClean="0">
+              <a:rPr lang="en-US" sz="3200" dirty="0">
                 <a:latin typeface="Times New Roman"/>
                 <a:ea typeface="Times New Roman"/>
                 <a:cs typeface="Times New Roman"/>
@@ -17207,7 +17091,7 @@
               <a:buNone/>
             </a:pPr>
             <a:r>
-              <a:rPr lang="en-US" sz="3600" dirty="0" smtClean="0">
+              <a:rPr lang="en-US" sz="3600" dirty="0">
                 <a:latin typeface="Times New Roman"/>
                 <a:ea typeface="Times New Roman"/>
                 <a:cs typeface="Times New Roman"/>
@@ -17802,7 +17686,7 @@
               <a:t> to be Markov, the </a:t>
             </a:r>
             <a:r>
-              <a:rPr lang="en-US" sz="2400" u="sng" dirty="0" smtClean="0">
+              <a:rPr lang="en-US" sz="2400" u="sng" dirty="0">
                 <a:solidFill>
                   <a:schemeClr val="hlink"/>
                 </a:solidFill>
@@ -17955,7 +17839,7 @@
               <a:buNone/>
             </a:pPr>
             <a:r>
-              <a:rPr lang="en-US" sz="3200" dirty="0" smtClean="0">
+              <a:rPr lang="en-US" sz="3200" dirty="0">
                 <a:latin typeface="Times New Roman"/>
                 <a:ea typeface="Times New Roman"/>
                 <a:cs typeface="Times New Roman"/>
@@ -20928,19 +20812,10 @@
                 <a:cs typeface="Times New Roman"/>
                 <a:sym typeface="Times New Roman"/>
               </a:rPr>
-              <a:t>reinforcement </a:t>
-            </a:r>
-            <a:r>
-              <a:rPr lang="en-US" sz="2400" i="1" dirty="0" smtClean="0">
-                <a:latin typeface="Times New Roman"/>
-                <a:ea typeface="Times New Roman"/>
-                <a:cs typeface="Times New Roman"/>
-                <a:sym typeface="Times New Roman"/>
-              </a:rPr>
-              <a:t>sig</a:t>
-            </a:r>
-            <a:r>
-              <a:rPr lang="en-US" sz="2400" dirty="0" smtClean="0">
+              <a:t>reinforcement sig</a:t>
+            </a:r>
+            <a:r>
+              <a:rPr lang="en-US" sz="2400" dirty="0">
                 <a:latin typeface="Times New Roman"/>
                 <a:ea typeface="Times New Roman"/>
                 <a:cs typeface="Times New Roman"/>
@@ -21708,22 +21583,13 @@
               <a:buChar char="•"/>
             </a:pPr>
             <a:r>
-              <a:rPr lang="en-US" dirty="0" smtClean="0">
-                <a:latin typeface="Times New Roman"/>
-                <a:ea typeface="Times New Roman"/>
-                <a:cs typeface="Times New Roman"/>
-                <a:sym typeface="Times New Roman"/>
-              </a:rPr>
-              <a:t>If </a:t>
-            </a:r>
-            <a:r>
               <a:rPr lang="en-US" dirty="0">
                 <a:latin typeface="Times New Roman"/>
                 <a:ea typeface="Times New Roman"/>
                 <a:cs typeface="Times New Roman"/>
                 <a:sym typeface="Times New Roman"/>
               </a:rPr>
-              <a:t>the RL system can observe perfectly all the information in the environment that might influence the choice of action to perform, then the RL system chooses actions based on true “states” of the environment.</a:t>
+              <a:t>If the RL system can observe perfectly all the information in the environment that might influence the choice of action to perform, then the RL system chooses actions based on true “states” of the environment.</a:t>
             </a:r>
             <a:endParaRPr/>
           </a:p>
@@ -21850,21 +21716,21 @@
               <a:t>Policy: </a:t>
             </a:r>
             <a:r>
-              <a:rPr lang="en-US" sz="2600" dirty="0" smtClean="0">
+              <a:rPr lang="en-US" sz="2600" dirty="0">
                 <a:latin typeface="Times New Roman" pitchFamily="18" charset="0"/>
                 <a:cs typeface="Times New Roman" pitchFamily="18" charset="0"/>
               </a:rPr>
               <a:t> A plan that directs the agent’s decision-making by mapping states to actions. Finding an ideal policy that </a:t>
             </a:r>
             <a:r>
-              <a:rPr lang="en-US" sz="2600" dirty="0" err="1" smtClean="0">
+              <a:rPr lang="en-US" sz="2600" dirty="0" err="1">
                 <a:latin typeface="Times New Roman" pitchFamily="18" charset="0"/>
                 <a:cs typeface="Times New Roman" pitchFamily="18" charset="0"/>
               </a:rPr>
               <a:t>maximises</a:t>
             </a:r>
             <a:r>
-              <a:rPr lang="en-US" sz="2600" dirty="0" smtClean="0">
+              <a:rPr lang="en-US" sz="2600" dirty="0">
                 <a:latin typeface="Times New Roman" pitchFamily="18" charset="0"/>
                 <a:cs typeface="Times New Roman" pitchFamily="18" charset="0"/>
               </a:rPr>
@@ -21956,19 +21822,10 @@
                 <a:cs typeface="Times New Roman"/>
                 <a:sym typeface="Times New Roman"/>
               </a:rPr>
-              <a:t>For deterministic policy: </a:t>
-            </a:r>
-            <a:r>
-              <a:rPr lang="en-US" sz="2200" dirty="0" smtClean="0">
-                <a:latin typeface="Times New Roman"/>
-                <a:ea typeface="Times New Roman"/>
-                <a:cs typeface="Times New Roman"/>
-                <a:sym typeface="Times New Roman"/>
-              </a:rPr>
-              <a:t>a</a:t>
-            </a:r>
-            <a:r>
-              <a:rPr lang="en-US" sz="2200" baseline="-25000" dirty="0" smtClean="0">
+              <a:t>For deterministic policy: a</a:t>
+            </a:r>
+            <a:r>
+              <a:rPr lang="en-US" sz="2200" baseline="-25000" dirty="0">
                 <a:latin typeface="Times New Roman"/>
                 <a:ea typeface="Times New Roman"/>
                 <a:cs typeface="Times New Roman"/>
@@ -21977,25 +21834,16 @@
               <a:t>t</a:t>
             </a:r>
             <a:r>
-              <a:rPr lang="en-US" sz="2200" dirty="0" smtClean="0">
-                <a:latin typeface="Times New Roman"/>
-                <a:ea typeface="Times New Roman"/>
-                <a:cs typeface="Times New Roman"/>
-                <a:sym typeface="Times New Roman"/>
-              </a:rPr>
-              <a:t> </a:t>
-            </a:r>
-            <a:r>
               <a:rPr lang="en-US" sz="2200" dirty="0">
                 <a:latin typeface="Times New Roman"/>
                 <a:ea typeface="Times New Roman"/>
                 <a:cs typeface="Times New Roman"/>
                 <a:sym typeface="Times New Roman"/>
               </a:rPr>
-              <a:t>= </a:t>
-            </a:r>
-            <a:r>
-              <a:rPr lang="en-US" sz="2200" dirty="0" smtClean="0">
+              <a:t> = </a:t>
+            </a:r>
+            <a:r>
+              <a:rPr lang="en-US" sz="2200" dirty="0">
                 <a:latin typeface="Times New Roman"/>
                 <a:ea typeface="Times New Roman"/>
                 <a:cs typeface="Times New Roman"/>
@@ -22004,7 +21852,7 @@
               <a:t></a:t>
             </a:r>
             <a:r>
-              <a:rPr lang="en-US" sz="2200" dirty="0" smtClean="0">
+              <a:rPr lang="en-US" sz="2200" dirty="0">
                 <a:latin typeface="Times New Roman"/>
                 <a:ea typeface="Times New Roman"/>
                 <a:cs typeface="Times New Roman"/>
@@ -22013,7 +21861,7 @@
               <a:t>(</a:t>
             </a:r>
             <a:r>
-              <a:rPr lang="en-US" sz="2200" dirty="0" err="1" smtClean="0">
+              <a:rPr lang="en-US" sz="2200" dirty="0" err="1">
                 <a:latin typeface="Times New Roman"/>
                 <a:ea typeface="Times New Roman"/>
                 <a:cs typeface="Times New Roman"/>
@@ -22022,7 +21870,7 @@
               <a:t>s</a:t>
             </a:r>
             <a:r>
-              <a:rPr lang="en-US" sz="2200" baseline="-25000" dirty="0" err="1" smtClean="0">
+              <a:rPr lang="en-US" sz="2200" baseline="-25000" dirty="0" err="1">
                 <a:latin typeface="Times New Roman"/>
                 <a:ea typeface="Times New Roman"/>
                 <a:cs typeface="Times New Roman"/>
@@ -22031,22 +21879,13 @@
               <a:t>t</a:t>
             </a:r>
             <a:r>
-              <a:rPr lang="en-US" sz="2200" dirty="0" smtClean="0">
+              <a:rPr lang="en-US" sz="2200" dirty="0">
                 <a:latin typeface="Times New Roman"/>
                 <a:ea typeface="Times New Roman"/>
                 <a:cs typeface="Times New Roman"/>
                 <a:sym typeface="Times New Roman"/>
               </a:rPr>
               <a:t>)</a:t>
-            </a:r>
-            <a:r>
-              <a:rPr lang="en-US" sz="2200" dirty="0">
-                <a:latin typeface="Times New Roman"/>
-                <a:ea typeface="Times New Roman"/>
-                <a:cs typeface="Times New Roman"/>
-                <a:sym typeface="Times New Roman"/>
-              </a:rPr>
-              <a:t/>
             </a:r>
             <a:br>
               <a:rPr lang="en-US" sz="2200" dirty="0">
@@ -22063,19 +21902,10 @@
                 <a:cs typeface="Times New Roman"/>
                 <a:sym typeface="Times New Roman"/>
               </a:rPr>
-              <a:t>For stochastic policy: </a:t>
-            </a:r>
-            <a:r>
-              <a:rPr lang="en-US" sz="2200" dirty="0" smtClean="0">
-                <a:latin typeface="Times New Roman"/>
-                <a:ea typeface="Times New Roman"/>
-                <a:cs typeface="Times New Roman"/>
-                <a:sym typeface="Times New Roman"/>
-              </a:rPr>
-              <a:t>a</a:t>
-            </a:r>
-            <a:r>
-              <a:rPr lang="en-US" sz="2200" baseline="-25000" dirty="0" smtClean="0">
+              <a:t>For stochastic policy: a</a:t>
+            </a:r>
+            <a:r>
+              <a:rPr lang="en-US" sz="2200" baseline="-25000" dirty="0">
                 <a:latin typeface="Times New Roman"/>
                 <a:ea typeface="Times New Roman"/>
                 <a:cs typeface="Times New Roman"/>
@@ -22084,25 +21914,16 @@
               <a:t>t  </a:t>
             </a:r>
             <a:r>
-              <a:rPr lang="en-US" sz="2200" dirty="0" smtClean="0">
-                <a:latin typeface="Times New Roman"/>
-                <a:ea typeface="Times New Roman"/>
-                <a:cs typeface="Times New Roman"/>
-                <a:sym typeface="Times New Roman"/>
-              </a:rPr>
-              <a:t> = π(. </a:t>
-            </a:r>
-            <a:r>
               <a:rPr lang="en-US" sz="2200" dirty="0">
                 <a:latin typeface="Times New Roman"/>
                 <a:ea typeface="Times New Roman"/>
                 <a:cs typeface="Times New Roman"/>
                 <a:sym typeface="Times New Roman"/>
               </a:rPr>
-              <a:t>| </a:t>
-            </a:r>
-            <a:r>
-              <a:rPr lang="en-US" sz="2200" dirty="0" err="1" smtClean="0">
+              <a:t> = π(. | </a:t>
+            </a:r>
+            <a:r>
+              <a:rPr lang="en-US" sz="2200" dirty="0" err="1">
                 <a:latin typeface="Times New Roman"/>
                 <a:ea typeface="Times New Roman"/>
                 <a:cs typeface="Times New Roman"/>
@@ -22111,7 +21932,7 @@
               <a:t>s</a:t>
             </a:r>
             <a:r>
-              <a:rPr lang="en-US" sz="2200" baseline="-25000" dirty="0" err="1" smtClean="0">
+              <a:rPr lang="en-US" sz="2200" baseline="-25000" dirty="0" err="1">
                 <a:latin typeface="Times New Roman"/>
                 <a:ea typeface="Times New Roman"/>
                 <a:cs typeface="Times New Roman"/>
@@ -22120,34 +21941,16 @@
               <a:t>t</a:t>
             </a:r>
             <a:r>
-              <a:rPr lang="en-US" sz="2200" dirty="0" smtClean="0">
-                <a:latin typeface="Times New Roman"/>
-                <a:ea typeface="Times New Roman"/>
-                <a:cs typeface="Times New Roman"/>
-                <a:sym typeface="Times New Roman"/>
-              </a:rPr>
-              <a:t>) </a:t>
-            </a:r>
-            <a:r>
               <a:rPr lang="en-US" sz="2200" dirty="0">
                 <a:latin typeface="Times New Roman"/>
                 <a:ea typeface="Times New Roman"/>
                 <a:cs typeface="Times New Roman"/>
                 <a:sym typeface="Times New Roman"/>
               </a:rPr>
-              <a:t>= </a:t>
-            </a:r>
-            <a:r>
-              <a:rPr lang="en-US" sz="2200" dirty="0" smtClean="0">
-                <a:latin typeface="Times New Roman"/>
-                <a:ea typeface="Times New Roman"/>
-                <a:cs typeface="Times New Roman"/>
-                <a:sym typeface="Times New Roman"/>
-              </a:rPr>
-              <a:t>P[a</a:t>
-            </a:r>
-            <a:r>
-              <a:rPr lang="en-US" sz="2200" baseline="-25000" dirty="0" smtClean="0">
+              <a:t>) = P[a</a:t>
+            </a:r>
+            <a:r>
+              <a:rPr lang="en-US" sz="2200" baseline="-25000" dirty="0">
                 <a:latin typeface="Times New Roman"/>
                 <a:ea typeface="Times New Roman"/>
                 <a:cs typeface="Times New Roman"/>
@@ -22156,25 +21959,16 @@
               <a:t>t</a:t>
             </a:r>
             <a:r>
-              <a:rPr lang="en-US" sz="2200" dirty="0" smtClean="0">
-                <a:latin typeface="Times New Roman"/>
-                <a:ea typeface="Times New Roman"/>
-                <a:cs typeface="Times New Roman"/>
-                <a:sym typeface="Times New Roman"/>
-              </a:rPr>
-              <a:t> </a:t>
-            </a:r>
-            <a:r>
               <a:rPr lang="en-US" sz="2200" dirty="0">
                 <a:latin typeface="Times New Roman"/>
                 <a:ea typeface="Times New Roman"/>
                 <a:cs typeface="Times New Roman"/>
                 <a:sym typeface="Times New Roman"/>
               </a:rPr>
-              <a:t>=a | </a:t>
-            </a:r>
-            <a:r>
-              <a:rPr lang="en-US" sz="2200" dirty="0" err="1" smtClean="0">
+              <a:t> =a | </a:t>
+            </a:r>
+            <a:r>
+              <a:rPr lang="en-US" sz="2200" dirty="0" err="1">
                 <a:latin typeface="Times New Roman"/>
                 <a:ea typeface="Times New Roman"/>
                 <a:cs typeface="Times New Roman"/>
@@ -22183,7 +21977,7 @@
               <a:t>s</a:t>
             </a:r>
             <a:r>
-              <a:rPr lang="en-US" sz="2200" baseline="-25000" dirty="0" err="1" smtClean="0">
+              <a:rPr lang="en-US" sz="2200" baseline="-25000" dirty="0" err="1">
                 <a:latin typeface="Times New Roman"/>
                 <a:ea typeface="Times New Roman"/>
                 <a:cs typeface="Times New Roman"/>
@@ -22192,22 +21986,13 @@
               <a:t>t</a:t>
             </a:r>
             <a:r>
-              <a:rPr lang="en-US" sz="2200" dirty="0" smtClean="0">
-                <a:latin typeface="Times New Roman"/>
-                <a:ea typeface="Times New Roman"/>
-                <a:cs typeface="Times New Roman"/>
-                <a:sym typeface="Times New Roman"/>
-              </a:rPr>
-              <a:t> </a:t>
-            </a:r>
-            <a:r>
               <a:rPr lang="en-US" sz="2200" dirty="0">
                 <a:latin typeface="Times New Roman"/>
                 <a:ea typeface="Times New Roman"/>
                 <a:cs typeface="Times New Roman"/>
                 <a:sym typeface="Times New Roman"/>
               </a:rPr>
-              <a:t>= s]</a:t>
+              <a:t> = s]</a:t>
             </a:r>
             <a:endParaRPr sz="2200">
               <a:latin typeface="Times New Roman"/>
@@ -22240,37 +22025,23 @@
           <a:p>
             <a:pPr fontAlgn="base"/>
             <a:r>
-              <a:rPr lang="en-US" sz="2900" b="1" dirty="0" smtClean="0">
+              <a:rPr lang="en-US" sz="2900" b="1" dirty="0">
                 <a:latin typeface="Times New Roman" pitchFamily="18" charset="0"/>
                 <a:cs typeface="Times New Roman" pitchFamily="18" charset="0"/>
               </a:rPr>
-              <a:t>Value </a:t>
-            </a:r>
-            <a:r>
-              <a:rPr lang="en-US" sz="2900" b="1" dirty="0" smtClean="0">
+              <a:t>Value Function</a:t>
+            </a:r>
+            <a:r>
+              <a:rPr lang="en-US" sz="2900" dirty="0">
                 <a:latin typeface="Times New Roman" pitchFamily="18" charset="0"/>
                 <a:cs typeface="Times New Roman" pitchFamily="18" charset="0"/>
               </a:rPr>
-              <a:t>Function</a:t>
-            </a:r>
-            <a:r>
-              <a:rPr lang="en-US" sz="2900" dirty="0" smtClean="0">
-                <a:latin typeface="Times New Roman" pitchFamily="18" charset="0"/>
-                <a:cs typeface="Times New Roman" pitchFamily="18" charset="0"/>
-              </a:rPr>
-              <a:t>: This function calculates the anticipated cumulative reward an agent can obtain from a specific state while adhering to a specific policy. It is beneficial in assessing and contrasting states and policies</a:t>
-            </a:r>
-            <a:r>
-              <a:rPr lang="en-US" sz="2900" dirty="0" smtClean="0">
-                <a:latin typeface="Times New Roman" pitchFamily="18" charset="0"/>
-                <a:cs typeface="Times New Roman" pitchFamily="18" charset="0"/>
-              </a:rPr>
-              <a:t>.</a:t>
+              <a:t>: This function calculates the anticipated cumulative reward an agent can obtain from a specific state while adhering to a specific policy. It is beneficial in assessing and contrasting states and policies.</a:t>
             </a:r>
           </a:p>
           <a:p>
             <a:pPr fontAlgn="base"/>
-            <a:endParaRPr lang="en-US" sz="1600" dirty="0" smtClean="0">
+            <a:endParaRPr lang="en-US" sz="1600" dirty="0">
               <a:latin typeface="Times New Roman" pitchFamily="18" charset="0"/>
               <a:cs typeface="Times New Roman" pitchFamily="18" charset="0"/>
             </a:endParaRPr>
@@ -22278,14 +22049,14 @@
           <a:p>
             <a:pPr fontAlgn="base"/>
             <a:r>
-              <a:rPr lang="en-US" sz="2900" b="1" dirty="0" smtClean="0">
+              <a:rPr lang="en-US" sz="2900" b="1" dirty="0">
                 <a:latin typeface="Times New Roman" pitchFamily="18" charset="0"/>
                 <a:cs typeface="Times New Roman" pitchFamily="18" charset="0"/>
               </a:rPr>
               <a:t>Model</a:t>
             </a:r>
             <a:r>
-              <a:rPr lang="en-US" sz="2900" dirty="0" smtClean="0">
+              <a:rPr lang="en-US" sz="2900" dirty="0">
                 <a:latin typeface="Times New Roman" pitchFamily="18" charset="0"/>
                 <a:cs typeface="Times New Roman" pitchFamily="18" charset="0"/>
               </a:rPr>
@@ -22805,16 +22576,7 @@
                 <a:cs typeface="Times New Roman"/>
                 <a:sym typeface="Times New Roman"/>
               </a:rPr>
-              <a:t>The learning agent could just as easily learn to minimize the reinforcement function due to limited </a:t>
-            </a:r>
-            <a:r>
-              <a:rPr lang="en-US" sz="2400" dirty="0" smtClean="0">
-                <a:latin typeface="Times New Roman"/>
-                <a:ea typeface="Times New Roman"/>
-                <a:cs typeface="Times New Roman"/>
-                <a:sym typeface="Times New Roman"/>
-              </a:rPr>
-              <a:t>resources.</a:t>
+              <a:t>The learning agent could just as easily learn to minimize the reinforcement function due to limited resources.</a:t>
             </a:r>
             <a:endParaRPr/>
           </a:p>
